--- a/tfpose-realtime2/結構.pptx
+++ b/tfpose-realtime2/結構.pptx
@@ -11,29 +11,30 @@
     <p:sldId id="256" r:id="rId5"/>
     <p:sldId id="257" r:id="rId6"/>
     <p:sldId id="284" r:id="rId7"/>
-    <p:sldId id="258" r:id="rId8"/>
-    <p:sldId id="285" r:id="rId9"/>
-    <p:sldId id="259" r:id="rId10"/>
-    <p:sldId id="262" r:id="rId11"/>
-    <p:sldId id="263" r:id="rId12"/>
-    <p:sldId id="264" r:id="rId13"/>
-    <p:sldId id="265" r:id="rId14"/>
-    <p:sldId id="261" r:id="rId15"/>
-    <p:sldId id="267" r:id="rId16"/>
-    <p:sldId id="268" r:id="rId17"/>
-    <p:sldId id="269" r:id="rId18"/>
-    <p:sldId id="272" r:id="rId19"/>
-    <p:sldId id="273" r:id="rId20"/>
-    <p:sldId id="271" r:id="rId21"/>
-    <p:sldId id="278" r:id="rId22"/>
-    <p:sldId id="277" r:id="rId23"/>
-    <p:sldId id="274" r:id="rId24"/>
-    <p:sldId id="275" r:id="rId25"/>
-    <p:sldId id="276" r:id="rId26"/>
-    <p:sldId id="279" r:id="rId27"/>
-    <p:sldId id="280" r:id="rId28"/>
-    <p:sldId id="282" r:id="rId29"/>
-    <p:sldId id="283" r:id="rId30"/>
+    <p:sldId id="286" r:id="rId8"/>
+    <p:sldId id="258" r:id="rId9"/>
+    <p:sldId id="285" r:id="rId10"/>
+    <p:sldId id="259" r:id="rId11"/>
+    <p:sldId id="262" r:id="rId12"/>
+    <p:sldId id="263" r:id="rId13"/>
+    <p:sldId id="264" r:id="rId14"/>
+    <p:sldId id="265" r:id="rId15"/>
+    <p:sldId id="261" r:id="rId16"/>
+    <p:sldId id="267" r:id="rId17"/>
+    <p:sldId id="268" r:id="rId18"/>
+    <p:sldId id="269" r:id="rId19"/>
+    <p:sldId id="272" r:id="rId20"/>
+    <p:sldId id="273" r:id="rId21"/>
+    <p:sldId id="271" r:id="rId22"/>
+    <p:sldId id="278" r:id="rId23"/>
+    <p:sldId id="277" r:id="rId24"/>
+    <p:sldId id="274" r:id="rId25"/>
+    <p:sldId id="275" r:id="rId26"/>
+    <p:sldId id="276" r:id="rId27"/>
+    <p:sldId id="279" r:id="rId28"/>
+    <p:sldId id="280" r:id="rId29"/>
+    <p:sldId id="282" r:id="rId30"/>
+    <p:sldId id="283" r:id="rId31"/>
   </p:sldIdLst>
   <p:sldSz cx="12192000" cy="6858000"/>
   <p:notesSz cx="6858000" cy="9144000"/>
@@ -422,7 +423,7 @@
           <a:p>
             <a:fld id="{E208061B-4024-409B-AFE2-CCC6DA530C56}" type="datetimeFigureOut">
               <a:rPr lang="zh-TW" altLang="en-US" smtClean="0"/>
-              <a:t>2022/6/24</a:t>
+              <a:t>2022/7/11</a:t>
             </a:fld>
             <a:endParaRPr lang="zh-TW" altLang="en-US"/>
           </a:p>
@@ -620,7 +621,7 @@
           <a:p>
             <a:fld id="{E208061B-4024-409B-AFE2-CCC6DA530C56}" type="datetimeFigureOut">
               <a:rPr lang="zh-TW" altLang="en-US" smtClean="0"/>
-              <a:t>2022/6/24</a:t>
+              <a:t>2022/7/11</a:t>
             </a:fld>
             <a:endParaRPr lang="zh-TW" altLang="en-US"/>
           </a:p>
@@ -828,7 +829,7 @@
           <a:p>
             <a:fld id="{E208061B-4024-409B-AFE2-CCC6DA530C56}" type="datetimeFigureOut">
               <a:rPr lang="zh-TW" altLang="en-US" smtClean="0"/>
-              <a:t>2022/6/24</a:t>
+              <a:t>2022/7/11</a:t>
             </a:fld>
             <a:endParaRPr lang="zh-TW" altLang="en-US"/>
           </a:p>
@@ -1026,7 +1027,7 @@
           <a:p>
             <a:fld id="{E208061B-4024-409B-AFE2-CCC6DA530C56}" type="datetimeFigureOut">
               <a:rPr lang="zh-TW" altLang="en-US" smtClean="0"/>
-              <a:t>2022/6/24</a:t>
+              <a:t>2022/7/11</a:t>
             </a:fld>
             <a:endParaRPr lang="zh-TW" altLang="en-US"/>
           </a:p>
@@ -1301,7 +1302,7 @@
           <a:p>
             <a:fld id="{E208061B-4024-409B-AFE2-CCC6DA530C56}" type="datetimeFigureOut">
               <a:rPr lang="zh-TW" altLang="en-US" smtClean="0"/>
-              <a:t>2022/6/24</a:t>
+              <a:t>2022/7/11</a:t>
             </a:fld>
             <a:endParaRPr lang="zh-TW" altLang="en-US"/>
           </a:p>
@@ -1566,7 +1567,7 @@
           <a:p>
             <a:fld id="{E208061B-4024-409B-AFE2-CCC6DA530C56}" type="datetimeFigureOut">
               <a:rPr lang="zh-TW" altLang="en-US" smtClean="0"/>
-              <a:t>2022/6/24</a:t>
+              <a:t>2022/7/11</a:t>
             </a:fld>
             <a:endParaRPr lang="zh-TW" altLang="en-US"/>
           </a:p>
@@ -1978,7 +1979,7 @@
           <a:p>
             <a:fld id="{E208061B-4024-409B-AFE2-CCC6DA530C56}" type="datetimeFigureOut">
               <a:rPr lang="zh-TW" altLang="en-US" smtClean="0"/>
-              <a:t>2022/6/24</a:t>
+              <a:t>2022/7/11</a:t>
             </a:fld>
             <a:endParaRPr lang="zh-TW" altLang="en-US"/>
           </a:p>
@@ -2119,7 +2120,7 @@
           <a:p>
             <a:fld id="{E208061B-4024-409B-AFE2-CCC6DA530C56}" type="datetimeFigureOut">
               <a:rPr lang="zh-TW" altLang="en-US" smtClean="0"/>
-              <a:t>2022/6/24</a:t>
+              <a:t>2022/7/11</a:t>
             </a:fld>
             <a:endParaRPr lang="zh-TW" altLang="en-US"/>
           </a:p>
@@ -2232,7 +2233,7 @@
           <a:p>
             <a:fld id="{E208061B-4024-409B-AFE2-CCC6DA530C56}" type="datetimeFigureOut">
               <a:rPr lang="zh-TW" altLang="en-US" smtClean="0"/>
-              <a:t>2022/6/24</a:t>
+              <a:t>2022/7/11</a:t>
             </a:fld>
             <a:endParaRPr lang="zh-TW" altLang="en-US"/>
           </a:p>
@@ -2543,7 +2544,7 @@
           <a:p>
             <a:fld id="{E208061B-4024-409B-AFE2-CCC6DA530C56}" type="datetimeFigureOut">
               <a:rPr lang="zh-TW" altLang="en-US" smtClean="0"/>
-              <a:t>2022/6/24</a:t>
+              <a:t>2022/7/11</a:t>
             </a:fld>
             <a:endParaRPr lang="zh-TW" altLang="en-US"/>
           </a:p>
@@ -2831,7 +2832,7 @@
           <a:p>
             <a:fld id="{E208061B-4024-409B-AFE2-CCC6DA530C56}" type="datetimeFigureOut">
               <a:rPr lang="zh-TW" altLang="en-US" smtClean="0"/>
-              <a:t>2022/6/24</a:t>
+              <a:t>2022/7/11</a:t>
             </a:fld>
             <a:endParaRPr lang="zh-TW" altLang="en-US"/>
           </a:p>
@@ -3072,7 +3073,7 @@
           <a:p>
             <a:fld id="{E208061B-4024-409B-AFE2-CCC6DA530C56}" type="datetimeFigureOut">
               <a:rPr lang="zh-TW" altLang="en-US" smtClean="0"/>
-              <a:t>2022/6/24</a:t>
+              <a:t>2022/7/11</a:t>
             </a:fld>
             <a:endParaRPr lang="zh-TW" altLang="en-US"/>
           </a:p>
@@ -3904,6 +3905,1035 @@
         <p:spPr>
           <a:xfrm>
             <a:off x="151495" y="206931"/>
+            <a:ext cx="4272224" cy="461665"/>
+          </a:xfrm>
+          <a:prstGeom prst="rect">
+            <a:avLst/>
+          </a:prstGeom>
+          <a:noFill/>
+          <a:ln w="19050">
+            <a:solidFill>
+              <a:schemeClr val="tx1"/>
+            </a:solidFill>
+          </a:ln>
+        </p:spPr>
+        <p:txBody>
+          <a:bodyPr wrap="square" rtlCol="0">
+            <a:spAutoFit/>
+          </a:bodyPr>
+          <a:lstStyle/>
+          <a:p>
+            <a:r>
+              <a:rPr lang="zh-TW" altLang="en-US" sz="2400" b="1" dirty="0">
+                <a:solidFill>
+                  <a:srgbClr val="FF0000"/>
+                </a:solidFill>
+                <a:latin typeface="Times New Roman" panose="02020603050405020304" pitchFamily="18" charset="0"/>
+                <a:ea typeface="標楷體" panose="03000509000000000000" pitchFamily="65" charset="-120"/>
+                <a:cs typeface="Times New Roman" panose="02020603050405020304" pitchFamily="18" charset="0"/>
+              </a:rPr>
+              <a:t>蒐集資料庫並記錄標籤與片段</a:t>
+            </a:r>
+          </a:p>
+        </p:txBody>
+      </p:sp>
+      <p:sp>
+        <p:nvSpPr>
+          <p:cNvPr id="3" name="文字方塊 2">
+            <a:extLst>
+              <a:ext uri="{FF2B5EF4-FFF2-40B4-BE49-F238E27FC236}">
+                <a16:creationId xmlns:a16="http://schemas.microsoft.com/office/drawing/2014/main" id="{26121BDE-5E78-0416-686B-7BEE8E47E696}"/>
+              </a:ext>
+            </a:extLst>
+          </p:cNvPr>
+          <p:cNvSpPr txBox="1"/>
+          <p:nvPr/>
+        </p:nvSpPr>
+        <p:spPr>
+          <a:xfrm>
+            <a:off x="94602" y="1581372"/>
+            <a:ext cx="894710" cy="461665"/>
+          </a:xfrm>
+          <a:prstGeom prst="rect">
+            <a:avLst/>
+          </a:prstGeom>
+          <a:noFill/>
+          <a:ln w="19050">
+            <a:solidFill>
+              <a:schemeClr val="tx1"/>
+            </a:solidFill>
+          </a:ln>
+        </p:spPr>
+        <p:txBody>
+          <a:bodyPr wrap="square" rtlCol="0">
+            <a:spAutoFit/>
+          </a:bodyPr>
+          <a:lstStyle/>
+          <a:p>
+            <a:r>
+              <a:rPr lang="en-US" altLang="zh-TW" sz="2400" dirty="0">
+                <a:latin typeface="Times New Roman" panose="02020603050405020304" pitchFamily="18" charset="0"/>
+                <a:ea typeface="標楷體" panose="03000509000000000000" pitchFamily="65" charset="-120"/>
+                <a:cs typeface="Times New Roman" panose="02020603050405020304" pitchFamily="18" charset="0"/>
+              </a:rPr>
+              <a:t>video</a:t>
+            </a:r>
+            <a:endParaRPr lang="zh-TW" altLang="en-US" sz="2400" dirty="0">
+              <a:latin typeface="Times New Roman" panose="02020603050405020304" pitchFamily="18" charset="0"/>
+              <a:ea typeface="標楷體" panose="03000509000000000000" pitchFamily="65" charset="-120"/>
+              <a:cs typeface="Times New Roman" panose="02020603050405020304" pitchFamily="18" charset="0"/>
+            </a:endParaRPr>
+          </a:p>
+        </p:txBody>
+      </p:sp>
+      <p:cxnSp>
+        <p:nvCxnSpPr>
+          <p:cNvPr id="5" name="直線單箭頭接點 4">
+            <a:extLst>
+              <a:ext uri="{FF2B5EF4-FFF2-40B4-BE49-F238E27FC236}">
+                <a16:creationId xmlns:a16="http://schemas.microsoft.com/office/drawing/2014/main" id="{2E62B264-EB47-9C12-1AE3-573B065B7227}"/>
+              </a:ext>
+            </a:extLst>
+          </p:cNvPr>
+          <p:cNvCxnSpPr>
+            <a:cxnSpLocks/>
+            <a:stCxn id="3" idx="3"/>
+            <a:endCxn id="4" idx="1"/>
+          </p:cNvCxnSpPr>
+          <p:nvPr/>
+        </p:nvCxnSpPr>
+        <p:spPr>
+          <a:xfrm>
+            <a:off x="989312" y="1812205"/>
+            <a:ext cx="508159" cy="1"/>
+          </a:xfrm>
+          <a:prstGeom prst="straightConnector1">
+            <a:avLst/>
+          </a:prstGeom>
+          <a:ln w="38100">
+            <a:solidFill>
+              <a:schemeClr val="tx1"/>
+            </a:solidFill>
+            <a:tailEnd type="triangle"/>
+          </a:ln>
+        </p:spPr>
+        <p:style>
+          <a:lnRef idx="1">
+            <a:schemeClr val="accent1"/>
+          </a:lnRef>
+          <a:fillRef idx="0">
+            <a:schemeClr val="accent1"/>
+          </a:fillRef>
+          <a:effectRef idx="0">
+            <a:schemeClr val="accent1"/>
+          </a:effectRef>
+          <a:fontRef idx="minor">
+            <a:schemeClr val="tx1"/>
+          </a:fontRef>
+        </p:style>
+      </p:cxnSp>
+      <p:cxnSp>
+        <p:nvCxnSpPr>
+          <p:cNvPr id="12" name="直線單箭頭接點 11">
+            <a:extLst>
+              <a:ext uri="{FF2B5EF4-FFF2-40B4-BE49-F238E27FC236}">
+                <a16:creationId xmlns:a16="http://schemas.microsoft.com/office/drawing/2014/main" id="{3753FFD4-5550-9BAE-ACBF-5E492F4193C3}"/>
+              </a:ext>
+            </a:extLst>
+          </p:cNvPr>
+          <p:cNvCxnSpPr>
+            <a:cxnSpLocks/>
+            <a:stCxn id="4" idx="3"/>
+            <a:endCxn id="11" idx="1"/>
+          </p:cNvCxnSpPr>
+          <p:nvPr/>
+        </p:nvCxnSpPr>
+        <p:spPr>
+          <a:xfrm>
+            <a:off x="3860124" y="1812206"/>
+            <a:ext cx="338078" cy="0"/>
+          </a:xfrm>
+          <a:prstGeom prst="straightConnector1">
+            <a:avLst/>
+          </a:prstGeom>
+          <a:ln w="38100">
+            <a:solidFill>
+              <a:schemeClr val="tx1"/>
+            </a:solidFill>
+            <a:tailEnd type="triangle"/>
+          </a:ln>
+        </p:spPr>
+        <p:style>
+          <a:lnRef idx="1">
+            <a:schemeClr val="accent1"/>
+          </a:lnRef>
+          <a:fillRef idx="0">
+            <a:schemeClr val="accent1"/>
+          </a:fillRef>
+          <a:effectRef idx="0">
+            <a:schemeClr val="accent1"/>
+          </a:effectRef>
+          <a:fontRef idx="minor">
+            <a:schemeClr val="tx1"/>
+          </a:fontRef>
+        </p:style>
+      </p:cxnSp>
+      <p:cxnSp>
+        <p:nvCxnSpPr>
+          <p:cNvPr id="19" name="直線單箭頭接點 18">
+            <a:extLst>
+              <a:ext uri="{FF2B5EF4-FFF2-40B4-BE49-F238E27FC236}">
+                <a16:creationId xmlns:a16="http://schemas.microsoft.com/office/drawing/2014/main" id="{74B8A6B6-2D6A-51FB-52A3-186EB1BC3AE9}"/>
+              </a:ext>
+            </a:extLst>
+          </p:cNvPr>
+          <p:cNvCxnSpPr>
+            <a:cxnSpLocks/>
+            <a:stCxn id="11" idx="3"/>
+            <a:endCxn id="18" idx="1"/>
+          </p:cNvCxnSpPr>
+          <p:nvPr/>
+        </p:nvCxnSpPr>
+        <p:spPr>
+          <a:xfrm>
+            <a:off x="7717367" y="1812206"/>
+            <a:ext cx="647385" cy="2268"/>
+          </a:xfrm>
+          <a:prstGeom prst="straightConnector1">
+            <a:avLst/>
+          </a:prstGeom>
+          <a:ln w="38100">
+            <a:solidFill>
+              <a:schemeClr val="tx1"/>
+            </a:solidFill>
+            <a:tailEnd type="triangle"/>
+          </a:ln>
+        </p:spPr>
+        <p:style>
+          <a:lnRef idx="1">
+            <a:schemeClr val="accent1"/>
+          </a:lnRef>
+          <a:fillRef idx="0">
+            <a:schemeClr val="accent1"/>
+          </a:fillRef>
+          <a:effectRef idx="0">
+            <a:schemeClr val="accent1"/>
+          </a:effectRef>
+          <a:fontRef idx="minor">
+            <a:schemeClr val="tx1"/>
+          </a:fontRef>
+        </p:style>
+      </p:cxnSp>
+      <p:cxnSp>
+        <p:nvCxnSpPr>
+          <p:cNvPr id="33" name="直線單箭頭接點 32">
+            <a:extLst>
+              <a:ext uri="{FF2B5EF4-FFF2-40B4-BE49-F238E27FC236}">
+                <a16:creationId xmlns:a16="http://schemas.microsoft.com/office/drawing/2014/main" id="{BBC24E73-B19D-9092-FDE0-B395FCFAA322}"/>
+              </a:ext>
+            </a:extLst>
+          </p:cNvPr>
+          <p:cNvCxnSpPr>
+            <a:cxnSpLocks/>
+            <a:stCxn id="18" idx="2"/>
+            <a:endCxn id="31" idx="0"/>
+          </p:cNvCxnSpPr>
+          <p:nvPr/>
+        </p:nvCxnSpPr>
+        <p:spPr>
+          <a:xfrm>
+            <a:off x="9783720" y="2229972"/>
+            <a:ext cx="0" cy="1558594"/>
+          </a:xfrm>
+          <a:prstGeom prst="straightConnector1">
+            <a:avLst/>
+          </a:prstGeom>
+          <a:ln w="38100">
+            <a:solidFill>
+              <a:schemeClr val="tx1"/>
+            </a:solidFill>
+            <a:tailEnd type="triangle"/>
+          </a:ln>
+        </p:spPr>
+        <p:style>
+          <a:lnRef idx="1">
+            <a:schemeClr val="accent1"/>
+          </a:lnRef>
+          <a:fillRef idx="0">
+            <a:schemeClr val="accent1"/>
+          </a:fillRef>
+          <a:effectRef idx="0">
+            <a:schemeClr val="accent1"/>
+          </a:effectRef>
+          <a:fontRef idx="minor">
+            <a:schemeClr val="tx1"/>
+          </a:fontRef>
+        </p:style>
+      </p:cxnSp>
+      <p:grpSp>
+        <p:nvGrpSpPr>
+          <p:cNvPr id="65" name="群組 64">
+            <a:extLst>
+              <a:ext uri="{FF2B5EF4-FFF2-40B4-BE49-F238E27FC236}">
+                <a16:creationId xmlns:a16="http://schemas.microsoft.com/office/drawing/2014/main" id="{B12CC59C-05ED-CFE4-F729-C43448517B47}"/>
+              </a:ext>
+            </a:extLst>
+          </p:cNvPr>
+          <p:cNvGrpSpPr/>
+          <p:nvPr/>
+        </p:nvGrpSpPr>
+        <p:grpSpPr>
+          <a:xfrm>
+            <a:off x="8364752" y="1398975"/>
+            <a:ext cx="3547420" cy="1069345"/>
+            <a:chOff x="8307859" y="1892250"/>
+            <a:chExt cx="3547420" cy="1069345"/>
+          </a:xfrm>
+        </p:grpSpPr>
+        <p:sp>
+          <p:nvSpPr>
+            <p:cNvPr id="18" name="文字方塊 17">
+              <a:extLst>
+                <a:ext uri="{FF2B5EF4-FFF2-40B4-BE49-F238E27FC236}">
+                  <a16:creationId xmlns:a16="http://schemas.microsoft.com/office/drawing/2014/main" id="{5D2F3F1D-2A2F-557C-3A0E-A5523A45010E}"/>
+                </a:ext>
+              </a:extLst>
+            </p:cNvPr>
+            <p:cNvSpPr txBox="1"/>
+            <p:nvPr/>
+          </p:nvSpPr>
+          <p:spPr>
+            <a:xfrm>
+              <a:off x="8307859" y="1892250"/>
+              <a:ext cx="2837936" cy="830997"/>
+            </a:xfrm>
+            <a:prstGeom prst="rect">
+              <a:avLst/>
+            </a:prstGeom>
+            <a:noFill/>
+            <a:ln w="19050">
+              <a:solidFill>
+                <a:schemeClr val="tx1"/>
+              </a:solidFill>
+            </a:ln>
+          </p:spPr>
+          <p:txBody>
+            <a:bodyPr wrap="square" rtlCol="0">
+              <a:spAutoFit/>
+            </a:bodyPr>
+            <a:lstStyle/>
+            <a:p>
+              <a:r>
+                <a:rPr lang="en-US" altLang="zh-TW" sz="2400" dirty="0">
+                  <a:latin typeface="Times New Roman" panose="02020603050405020304" pitchFamily="18" charset="0"/>
+                  <a:ea typeface="標楷體" panose="03000509000000000000" pitchFamily="65" charset="-120"/>
+                  <a:cs typeface="Times New Roman" panose="02020603050405020304" pitchFamily="18" charset="0"/>
+                </a:rPr>
+                <a:t>Result</a:t>
+              </a:r>
+              <a:r>
+                <a:rPr lang="zh-TW" altLang="en-US" sz="2400" dirty="0">
+                  <a:latin typeface="Times New Roman" panose="02020603050405020304" pitchFamily="18" charset="0"/>
+                  <a:ea typeface="標楷體" panose="03000509000000000000" pitchFamily="65" charset="-120"/>
+                  <a:cs typeface="Times New Roman" panose="02020603050405020304" pitchFamily="18" charset="0"/>
+                </a:rPr>
+                <a:t>資料夾改動作標籤名稱</a:t>
+              </a:r>
+            </a:p>
+          </p:txBody>
+        </p:sp>
+        <p:pic>
+          <p:nvPicPr>
+            <p:cNvPr id="51" name="圖片 50">
+              <a:extLst>
+                <a:ext uri="{FF2B5EF4-FFF2-40B4-BE49-F238E27FC236}">
+                  <a16:creationId xmlns:a16="http://schemas.microsoft.com/office/drawing/2014/main" id="{D2B46316-DE04-26DC-476C-063F72941BF8}"/>
+                </a:ext>
+              </a:extLst>
+            </p:cNvPr>
+            <p:cNvPicPr>
+              <a:picLocks noChangeAspect="1"/>
+            </p:cNvPicPr>
+            <p:nvPr/>
+          </p:nvPicPr>
+          <p:blipFill rotWithShape="1">
+            <a:blip r:embed="rId2"/>
+            <a:srcRect t="7696"/>
+            <a:stretch/>
+          </p:blipFill>
+          <p:spPr>
+            <a:xfrm>
+              <a:off x="9828747" y="2427148"/>
+              <a:ext cx="2026532" cy="534447"/>
+            </a:xfrm>
+            <a:prstGeom prst="rect">
+              <a:avLst/>
+            </a:prstGeom>
+          </p:spPr>
+        </p:pic>
+      </p:grpSp>
+      <p:grpSp>
+        <p:nvGrpSpPr>
+          <p:cNvPr id="64" name="群組 63">
+            <a:extLst>
+              <a:ext uri="{FF2B5EF4-FFF2-40B4-BE49-F238E27FC236}">
+                <a16:creationId xmlns:a16="http://schemas.microsoft.com/office/drawing/2014/main" id="{EB70B043-5645-F4C1-6418-95A550DBB145}"/>
+              </a:ext>
+            </a:extLst>
+          </p:cNvPr>
+          <p:cNvGrpSpPr/>
+          <p:nvPr/>
+        </p:nvGrpSpPr>
+        <p:grpSpPr>
+          <a:xfrm>
+            <a:off x="4074615" y="1128821"/>
+            <a:ext cx="3861155" cy="1339499"/>
+            <a:chOff x="4072358" y="1496628"/>
+            <a:chExt cx="3861155" cy="1339499"/>
+          </a:xfrm>
+        </p:grpSpPr>
+        <p:grpSp>
+          <p:nvGrpSpPr>
+            <p:cNvPr id="32" name="群組 31">
+              <a:extLst>
+                <a:ext uri="{FF2B5EF4-FFF2-40B4-BE49-F238E27FC236}">
+                  <a16:creationId xmlns:a16="http://schemas.microsoft.com/office/drawing/2014/main" id="{7DFED6C5-D70B-E0BC-E7DA-BE8DE6A40C8D}"/>
+                </a:ext>
+              </a:extLst>
+            </p:cNvPr>
+            <p:cNvGrpSpPr/>
+            <p:nvPr/>
+          </p:nvGrpSpPr>
+          <p:grpSpPr>
+            <a:xfrm>
+              <a:off x="4072358" y="1496628"/>
+              <a:ext cx="3642752" cy="914217"/>
+              <a:chOff x="3880707" y="1624367"/>
+              <a:chExt cx="3642752" cy="914217"/>
+            </a:xfrm>
+          </p:grpSpPr>
+          <p:sp>
+            <p:nvSpPr>
+              <p:cNvPr id="11" name="文字方塊 10">
+                <a:extLst>
+                  <a:ext uri="{FF2B5EF4-FFF2-40B4-BE49-F238E27FC236}">
+                    <a16:creationId xmlns:a16="http://schemas.microsoft.com/office/drawing/2014/main" id="{AFA65BE7-B1D2-7157-1B29-043FB47C2F75}"/>
+                  </a:ext>
+                </a:extLst>
+              </p:cNvPr>
+              <p:cNvSpPr txBox="1"/>
+              <p:nvPr/>
+            </p:nvSpPr>
+            <p:spPr>
+              <a:xfrm>
+                <a:off x="4004294" y="2076919"/>
+                <a:ext cx="3519165" cy="461665"/>
+              </a:xfrm>
+              <a:prstGeom prst="rect">
+                <a:avLst/>
+              </a:prstGeom>
+              <a:noFill/>
+              <a:ln w="19050">
+                <a:solidFill>
+                  <a:schemeClr val="tx1"/>
+                </a:solidFill>
+              </a:ln>
+            </p:spPr>
+            <p:txBody>
+              <a:bodyPr wrap="square" rtlCol="0">
+                <a:spAutoFit/>
+              </a:bodyPr>
+              <a:lstStyle/>
+              <a:p>
+                <a:r>
+                  <a:rPr lang="en-US" altLang="zh-TW" sz="2400" dirty="0" err="1">
+                    <a:latin typeface="Times New Roman" panose="02020603050405020304" pitchFamily="18" charset="0"/>
+                    <a:ea typeface="標楷體" panose="03000509000000000000" pitchFamily="65" charset="-120"/>
+                    <a:cs typeface="Times New Roman" panose="02020603050405020304" pitchFamily="18" charset="0"/>
+                  </a:rPr>
+                  <a:t>origin_img</a:t>
+                </a:r>
+                <a:r>
+                  <a:rPr lang="en-US" altLang="zh-TW" sz="2400" dirty="0">
+                    <a:latin typeface="Times New Roman" panose="02020603050405020304" pitchFamily="18" charset="0"/>
+                    <a:ea typeface="標楷體" panose="03000509000000000000" pitchFamily="65" charset="-120"/>
+                    <a:cs typeface="Times New Roman" panose="02020603050405020304" pitchFamily="18" charset="0"/>
+                  </a:rPr>
+                  <a:t>/Result_001</a:t>
+                </a:r>
+                <a:endParaRPr lang="zh-TW" altLang="en-US" sz="2400" dirty="0">
+                  <a:latin typeface="Times New Roman" panose="02020603050405020304" pitchFamily="18" charset="0"/>
+                  <a:ea typeface="標楷體" panose="03000509000000000000" pitchFamily="65" charset="-120"/>
+                  <a:cs typeface="Times New Roman" panose="02020603050405020304" pitchFamily="18" charset="0"/>
+                </a:endParaRPr>
+              </a:p>
+            </p:txBody>
+          </p:sp>
+          <p:sp>
+            <p:nvSpPr>
+              <p:cNvPr id="17" name="文字方塊 16">
+                <a:extLst>
+                  <a:ext uri="{FF2B5EF4-FFF2-40B4-BE49-F238E27FC236}">
+                    <a16:creationId xmlns:a16="http://schemas.microsoft.com/office/drawing/2014/main" id="{478D98B5-9B09-D34F-497A-F282A0FB1937}"/>
+                  </a:ext>
+                </a:extLst>
+              </p:cNvPr>
+              <p:cNvSpPr txBox="1"/>
+              <p:nvPr/>
+            </p:nvSpPr>
+            <p:spPr>
+              <a:xfrm>
+                <a:off x="3880707" y="1624367"/>
+                <a:ext cx="2354312" cy="400110"/>
+              </a:xfrm>
+              <a:prstGeom prst="rect">
+                <a:avLst/>
+              </a:prstGeom>
+              <a:noFill/>
+              <a:ln w="19050">
+                <a:noFill/>
+              </a:ln>
+            </p:spPr>
+            <p:txBody>
+              <a:bodyPr wrap="square" rtlCol="0">
+                <a:spAutoFit/>
+              </a:bodyPr>
+              <a:lstStyle/>
+              <a:p>
+                <a:r>
+                  <a:rPr lang="zh-TW" altLang="en-US" sz="2000" b="1" dirty="0">
+                    <a:latin typeface="Times New Roman" panose="02020603050405020304" pitchFamily="18" charset="0"/>
+                    <a:ea typeface="標楷體" panose="03000509000000000000" pitchFamily="65" charset="-120"/>
+                    <a:cs typeface="Times New Roman" panose="02020603050405020304" pitchFamily="18" charset="0"/>
+                  </a:rPr>
+                  <a:t>生成照片資料夾</a:t>
+                </a:r>
+              </a:p>
+            </p:txBody>
+          </p:sp>
+        </p:grpSp>
+        <p:pic>
+          <p:nvPicPr>
+            <p:cNvPr id="56" name="圖片 55">
+              <a:extLst>
+                <a:ext uri="{FF2B5EF4-FFF2-40B4-BE49-F238E27FC236}">
+                  <a16:creationId xmlns:a16="http://schemas.microsoft.com/office/drawing/2014/main" id="{08E334D7-60C3-DA39-5DA3-DA03DA54D689}"/>
+                </a:ext>
+              </a:extLst>
+            </p:cNvPr>
+            <p:cNvPicPr>
+              <a:picLocks noChangeAspect="1"/>
+            </p:cNvPicPr>
+            <p:nvPr/>
+          </p:nvPicPr>
+          <p:blipFill>
+            <a:blip r:embed="rId3"/>
+            <a:stretch>
+              <a:fillRect/>
+            </a:stretch>
+          </p:blipFill>
+          <p:spPr>
+            <a:xfrm>
+              <a:off x="5866003" y="2354896"/>
+              <a:ext cx="2067510" cy="481231"/>
+            </a:xfrm>
+            <a:prstGeom prst="rect">
+              <a:avLst/>
+            </a:prstGeom>
+          </p:spPr>
+        </p:pic>
+      </p:grpSp>
+      <p:grpSp>
+        <p:nvGrpSpPr>
+          <p:cNvPr id="74" name="群組 73">
+            <a:extLst>
+              <a:ext uri="{FF2B5EF4-FFF2-40B4-BE49-F238E27FC236}">
+                <a16:creationId xmlns:a16="http://schemas.microsoft.com/office/drawing/2014/main" id="{579E04E2-80F8-D225-43A4-BF9F521AC061}"/>
+              </a:ext>
+            </a:extLst>
+          </p:cNvPr>
+          <p:cNvGrpSpPr/>
+          <p:nvPr/>
+        </p:nvGrpSpPr>
+        <p:grpSpPr>
+          <a:xfrm>
+            <a:off x="8287303" y="3350163"/>
+            <a:ext cx="3248600" cy="3283330"/>
+            <a:chOff x="8287303" y="3350163"/>
+            <a:chExt cx="3248600" cy="3283330"/>
+          </a:xfrm>
+        </p:grpSpPr>
+        <p:sp>
+          <p:nvSpPr>
+            <p:cNvPr id="31" name="文字方塊 30">
+              <a:extLst>
+                <a:ext uri="{FF2B5EF4-FFF2-40B4-BE49-F238E27FC236}">
+                  <a16:creationId xmlns:a16="http://schemas.microsoft.com/office/drawing/2014/main" id="{67127A09-227E-61AE-716F-8105A4298C55}"/>
+                </a:ext>
+              </a:extLst>
+            </p:cNvPr>
+            <p:cNvSpPr txBox="1"/>
+            <p:nvPr/>
+          </p:nvSpPr>
+          <p:spPr>
+            <a:xfrm>
+              <a:off x="8364751" y="3788566"/>
+              <a:ext cx="2837937" cy="830997"/>
+            </a:xfrm>
+            <a:prstGeom prst="rect">
+              <a:avLst/>
+            </a:prstGeom>
+            <a:noFill/>
+            <a:ln w="19050">
+              <a:solidFill>
+                <a:schemeClr val="tx1"/>
+              </a:solidFill>
+            </a:ln>
+          </p:spPr>
+          <p:txBody>
+            <a:bodyPr wrap="square" rtlCol="0">
+              <a:spAutoFit/>
+            </a:bodyPr>
+            <a:lstStyle/>
+            <a:p>
+              <a:r>
+                <a:rPr lang="zh-TW" altLang="en-US" sz="2400" dirty="0">
+                  <a:latin typeface="Times New Roman" panose="02020603050405020304" pitchFamily="18" charset="0"/>
+                  <a:ea typeface="標楷體" panose="03000509000000000000" pitchFamily="65" charset="-120"/>
+                  <a:cs typeface="Times New Roman" panose="02020603050405020304" pitchFamily="18" charset="0"/>
+                </a:rPr>
+                <a:t>寫入所有動作切片</a:t>
+              </a:r>
+              <a:endParaRPr lang="en-US" altLang="zh-TW" sz="2400" dirty="0">
+                <a:latin typeface="Times New Roman" panose="02020603050405020304" pitchFamily="18" charset="0"/>
+                <a:ea typeface="標楷體" panose="03000509000000000000" pitchFamily="65" charset="-120"/>
+                <a:cs typeface="Times New Roman" panose="02020603050405020304" pitchFamily="18" charset="0"/>
+              </a:endParaRPr>
+            </a:p>
+            <a:p>
+              <a:endParaRPr lang="zh-TW" altLang="en-US" sz="2400" dirty="0">
+                <a:latin typeface="Times New Roman" panose="02020603050405020304" pitchFamily="18" charset="0"/>
+                <a:ea typeface="標楷體" panose="03000509000000000000" pitchFamily="65" charset="-120"/>
+                <a:cs typeface="Times New Roman" panose="02020603050405020304" pitchFamily="18" charset="0"/>
+              </a:endParaRPr>
+            </a:p>
+          </p:txBody>
+        </p:sp>
+        <p:sp>
+          <p:nvSpPr>
+            <p:cNvPr id="68" name="文字方塊 67">
+              <a:extLst>
+                <a:ext uri="{FF2B5EF4-FFF2-40B4-BE49-F238E27FC236}">
+                  <a16:creationId xmlns:a16="http://schemas.microsoft.com/office/drawing/2014/main" id="{20269B7A-6BA1-E636-E00A-46B07F0E4130}"/>
+                </a:ext>
+              </a:extLst>
+            </p:cNvPr>
+            <p:cNvSpPr txBox="1"/>
+            <p:nvPr/>
+          </p:nvSpPr>
+          <p:spPr>
+            <a:xfrm>
+              <a:off x="10039487" y="4325169"/>
+              <a:ext cx="1496416" cy="2308324"/>
+            </a:xfrm>
+            <a:prstGeom prst="rect">
+              <a:avLst/>
+            </a:prstGeom>
+            <a:solidFill>
+              <a:schemeClr val="accent4">
+                <a:lumMod val="40000"/>
+                <a:lumOff val="60000"/>
+              </a:schemeClr>
+            </a:solidFill>
+            <a:ln w="19050">
+              <a:noFill/>
+            </a:ln>
+          </p:spPr>
+          <p:txBody>
+            <a:bodyPr wrap="square" rtlCol="0">
+              <a:spAutoFit/>
+            </a:bodyPr>
+            <a:lstStyle/>
+            <a:p>
+              <a:r>
+                <a:rPr lang="en-US" altLang="zh-TW" sz="2400" dirty="0">
+                  <a:latin typeface="Times New Roman" panose="02020603050405020304" pitchFamily="18" charset="0"/>
+                  <a:ea typeface="標楷體" panose="03000509000000000000" pitchFamily="65" charset="-120"/>
+                  <a:cs typeface="Times New Roman" panose="02020603050405020304" pitchFamily="18" charset="0"/>
+                </a:rPr>
+                <a:t>jump_001</a:t>
+              </a:r>
+            </a:p>
+            <a:p>
+              <a:r>
+                <a:rPr lang="en-US" altLang="zh-TW" sz="2400" dirty="0">
+                  <a:latin typeface="Times New Roman" panose="02020603050405020304" pitchFamily="18" charset="0"/>
+                  <a:ea typeface="標楷體" panose="03000509000000000000" pitchFamily="65" charset="-120"/>
+                  <a:cs typeface="Times New Roman" panose="02020603050405020304" pitchFamily="18" charset="0"/>
+                </a:rPr>
+                <a:t>52 59</a:t>
+              </a:r>
+            </a:p>
+            <a:p>
+              <a:r>
+                <a:rPr lang="en-US" altLang="zh-TW" sz="2400" dirty="0">
+                  <a:latin typeface="Times New Roman" panose="02020603050405020304" pitchFamily="18" charset="0"/>
+                  <a:ea typeface="標楷體" panose="03000509000000000000" pitchFamily="65" charset="-120"/>
+                  <a:cs typeface="Times New Roman" panose="02020603050405020304" pitchFamily="18" charset="0"/>
+                </a:rPr>
+                <a:t>72 79</a:t>
+              </a:r>
+            </a:p>
+            <a:p>
+              <a:endParaRPr lang="en-US" altLang="zh-TW" sz="2400" dirty="0">
+                <a:latin typeface="Times New Roman" panose="02020603050405020304" pitchFamily="18" charset="0"/>
+                <a:ea typeface="標楷體" panose="03000509000000000000" pitchFamily="65" charset="-120"/>
+                <a:cs typeface="Times New Roman" panose="02020603050405020304" pitchFamily="18" charset="0"/>
+              </a:endParaRPr>
+            </a:p>
+            <a:p>
+              <a:r>
+                <a:rPr lang="en-US" altLang="zh-TW" sz="2400" dirty="0">
+                  <a:latin typeface="Times New Roman" panose="02020603050405020304" pitchFamily="18" charset="0"/>
+                  <a:ea typeface="標楷體" panose="03000509000000000000" pitchFamily="65" charset="-120"/>
+                  <a:cs typeface="Times New Roman" panose="02020603050405020304" pitchFamily="18" charset="0"/>
+                </a:rPr>
+                <a:t>wave_001</a:t>
+              </a:r>
+            </a:p>
+            <a:p>
+              <a:r>
+                <a:rPr lang="en-US" altLang="zh-TW" sz="2400" dirty="0">
+                  <a:latin typeface="Times New Roman" panose="02020603050405020304" pitchFamily="18" charset="0"/>
+                  <a:ea typeface="標楷體" panose="03000509000000000000" pitchFamily="65" charset="-120"/>
+                  <a:cs typeface="Times New Roman" panose="02020603050405020304" pitchFamily="18" charset="0"/>
+                </a:rPr>
+                <a:t>47 354</a:t>
+              </a:r>
+              <a:endParaRPr lang="zh-TW" altLang="en-US" sz="2400" dirty="0">
+                <a:latin typeface="Times New Roman" panose="02020603050405020304" pitchFamily="18" charset="0"/>
+                <a:ea typeface="標楷體" panose="03000509000000000000" pitchFamily="65" charset="-120"/>
+                <a:cs typeface="Times New Roman" panose="02020603050405020304" pitchFamily="18" charset="0"/>
+              </a:endParaRPr>
+            </a:p>
+          </p:txBody>
+        </p:sp>
+        <p:sp>
+          <p:nvSpPr>
+            <p:cNvPr id="72" name="文字方塊 71">
+              <a:extLst>
+                <a:ext uri="{FF2B5EF4-FFF2-40B4-BE49-F238E27FC236}">
+                  <a16:creationId xmlns:a16="http://schemas.microsoft.com/office/drawing/2014/main" id="{54C5E2FF-13C8-1DC8-D9F3-510390AF9C07}"/>
+                </a:ext>
+              </a:extLst>
+            </p:cNvPr>
+            <p:cNvSpPr txBox="1"/>
+            <p:nvPr/>
+          </p:nvSpPr>
+          <p:spPr>
+            <a:xfrm>
+              <a:off x="8287303" y="3350163"/>
+              <a:ext cx="1496416" cy="400110"/>
+            </a:xfrm>
+            <a:prstGeom prst="rect">
+              <a:avLst/>
+            </a:prstGeom>
+            <a:noFill/>
+            <a:ln w="19050">
+              <a:noFill/>
+            </a:ln>
+          </p:spPr>
+          <p:txBody>
+            <a:bodyPr wrap="square" rtlCol="0">
+              <a:spAutoFit/>
+            </a:bodyPr>
+            <a:lstStyle/>
+            <a:p>
+              <a:r>
+                <a:rPr lang="en-US" altLang="zh-TW" sz="2000" b="1" dirty="0">
+                  <a:latin typeface="Times New Roman" panose="02020603050405020304" pitchFamily="18" charset="0"/>
+                  <a:ea typeface="標楷體" panose="03000509000000000000" pitchFamily="65" charset="-120"/>
+                  <a:cs typeface="Times New Roman" panose="02020603050405020304" pitchFamily="18" charset="0"/>
+                </a:rPr>
+                <a:t>orign.txt</a:t>
+              </a:r>
+              <a:endParaRPr lang="zh-TW" altLang="en-US" sz="2000" b="1" dirty="0">
+                <a:latin typeface="Times New Roman" panose="02020603050405020304" pitchFamily="18" charset="0"/>
+                <a:ea typeface="標楷體" panose="03000509000000000000" pitchFamily="65" charset="-120"/>
+                <a:cs typeface="Times New Roman" panose="02020603050405020304" pitchFamily="18" charset="0"/>
+              </a:endParaRPr>
+            </a:p>
+          </p:txBody>
+        </p:sp>
+      </p:grpSp>
+      <p:grpSp>
+        <p:nvGrpSpPr>
+          <p:cNvPr id="82" name="群組 81">
+            <a:extLst>
+              <a:ext uri="{FF2B5EF4-FFF2-40B4-BE49-F238E27FC236}">
+                <a16:creationId xmlns:a16="http://schemas.microsoft.com/office/drawing/2014/main" id="{2DCC5D35-DC87-5065-0DBF-D71D99F78BB1}"/>
+              </a:ext>
+            </a:extLst>
+          </p:cNvPr>
+          <p:cNvGrpSpPr/>
+          <p:nvPr/>
+        </p:nvGrpSpPr>
+        <p:grpSpPr>
+          <a:xfrm>
+            <a:off x="1243391" y="809592"/>
+            <a:ext cx="2745779" cy="3055143"/>
+            <a:chOff x="1243391" y="809592"/>
+            <a:chExt cx="2745779" cy="3055143"/>
+          </a:xfrm>
+        </p:grpSpPr>
+        <p:grpSp>
+          <p:nvGrpSpPr>
+            <p:cNvPr id="66" name="群組 65">
+              <a:extLst>
+                <a:ext uri="{FF2B5EF4-FFF2-40B4-BE49-F238E27FC236}">
+                  <a16:creationId xmlns:a16="http://schemas.microsoft.com/office/drawing/2014/main" id="{0171B98F-E7BE-8CB5-754A-25776FC17653}"/>
+                </a:ext>
+              </a:extLst>
+            </p:cNvPr>
+            <p:cNvGrpSpPr/>
+            <p:nvPr/>
+          </p:nvGrpSpPr>
+          <p:grpSpPr>
+            <a:xfrm>
+              <a:off x="1243391" y="1212041"/>
+              <a:ext cx="2745779" cy="2652694"/>
+              <a:chOff x="1162790" y="1701944"/>
+              <a:chExt cx="2745779" cy="2652694"/>
+            </a:xfrm>
+          </p:grpSpPr>
+          <p:sp>
+            <p:nvSpPr>
+              <p:cNvPr id="4" name="文字方塊 3">
+                <a:extLst>
+                  <a:ext uri="{FF2B5EF4-FFF2-40B4-BE49-F238E27FC236}">
+                    <a16:creationId xmlns:a16="http://schemas.microsoft.com/office/drawing/2014/main" id="{3856D082-7EFD-B277-F215-19B73E521F5B}"/>
+                  </a:ext>
+                </a:extLst>
+              </p:cNvPr>
+              <p:cNvSpPr txBox="1"/>
+              <p:nvPr/>
+            </p:nvSpPr>
+            <p:spPr>
+              <a:xfrm>
+                <a:off x="1416870" y="1701944"/>
+                <a:ext cx="2362653" cy="1200329"/>
+              </a:xfrm>
+              <a:prstGeom prst="rect">
+                <a:avLst/>
+              </a:prstGeom>
+              <a:noFill/>
+              <a:ln w="19050">
+                <a:solidFill>
+                  <a:schemeClr val="tx1"/>
+                </a:solidFill>
+              </a:ln>
+            </p:spPr>
+            <p:txBody>
+              <a:bodyPr wrap="square" rtlCol="0">
+                <a:spAutoFit/>
+              </a:bodyPr>
+              <a:lstStyle/>
+              <a:p>
+                <a:endParaRPr lang="en-US" altLang="zh-TW" sz="2400" dirty="0">
+                  <a:latin typeface="Times New Roman" panose="02020603050405020304" pitchFamily="18" charset="0"/>
+                  <a:ea typeface="標楷體" panose="03000509000000000000" pitchFamily="65" charset="-120"/>
+                  <a:cs typeface="Times New Roman" panose="02020603050405020304" pitchFamily="18" charset="0"/>
+                </a:endParaRPr>
+              </a:p>
+              <a:p>
+                <a:r>
+                  <a:rPr lang="zh-TW" altLang="en-US" sz="2400" dirty="0">
+                    <a:latin typeface="Times New Roman" panose="02020603050405020304" pitchFamily="18" charset="0"/>
+                    <a:ea typeface="標楷體" panose="03000509000000000000" pitchFamily="65" charset="-120"/>
+                    <a:cs typeface="Times New Roman" panose="02020603050405020304" pitchFamily="18" charset="0"/>
+                  </a:rPr>
+                  <a:t>影片轉照片</a:t>
+                </a:r>
+                <a:endParaRPr lang="en-US" altLang="zh-TW" sz="2400" dirty="0">
+                  <a:latin typeface="Times New Roman" panose="02020603050405020304" pitchFamily="18" charset="0"/>
+                  <a:ea typeface="標楷體" panose="03000509000000000000" pitchFamily="65" charset="-120"/>
+                  <a:cs typeface="Times New Roman" panose="02020603050405020304" pitchFamily="18" charset="0"/>
+                </a:endParaRPr>
+              </a:p>
+              <a:p>
+                <a:endParaRPr lang="zh-TW" altLang="en-US" sz="2400" dirty="0">
+                  <a:latin typeface="Times New Roman" panose="02020603050405020304" pitchFamily="18" charset="0"/>
+                  <a:ea typeface="標楷體" panose="03000509000000000000" pitchFamily="65" charset="-120"/>
+                  <a:cs typeface="Times New Roman" panose="02020603050405020304" pitchFamily="18" charset="0"/>
+                </a:endParaRPr>
+              </a:p>
+            </p:txBody>
+          </p:sp>
+          <p:pic>
+            <p:nvPicPr>
+              <p:cNvPr id="61" name="圖片 60">
+                <a:extLst>
+                  <a:ext uri="{FF2B5EF4-FFF2-40B4-BE49-F238E27FC236}">
+                    <a16:creationId xmlns:a16="http://schemas.microsoft.com/office/drawing/2014/main" id="{1D96E8C1-B451-2DDC-9DA1-8C02B5F9DF79}"/>
+                  </a:ext>
+                </a:extLst>
+              </p:cNvPr>
+              <p:cNvPicPr>
+                <a:picLocks noChangeAspect="1"/>
+              </p:cNvPicPr>
+              <p:nvPr/>
+            </p:nvPicPr>
+            <p:blipFill rotWithShape="1">
+              <a:blip r:embed="rId4"/>
+              <a:srcRect r="9804"/>
+              <a:stretch/>
+            </p:blipFill>
+            <p:spPr>
+              <a:xfrm>
+                <a:off x="1162790" y="3293235"/>
+                <a:ext cx="2745779" cy="1061403"/>
+              </a:xfrm>
+              <a:prstGeom prst="rect">
+                <a:avLst/>
+              </a:prstGeom>
+            </p:spPr>
+          </p:pic>
+        </p:grpSp>
+        <p:sp>
+          <p:nvSpPr>
+            <p:cNvPr id="75" name="文字方塊 74">
+              <a:extLst>
+                <a:ext uri="{FF2B5EF4-FFF2-40B4-BE49-F238E27FC236}">
+                  <a16:creationId xmlns:a16="http://schemas.microsoft.com/office/drawing/2014/main" id="{5C254B1F-8F56-53CB-070F-F09CC1A73612}"/>
+                </a:ext>
+              </a:extLst>
+            </p:cNvPr>
+            <p:cNvSpPr txBox="1"/>
+            <p:nvPr/>
+          </p:nvSpPr>
+          <p:spPr>
+            <a:xfrm>
+              <a:off x="1420254" y="809592"/>
+              <a:ext cx="2439870" cy="400110"/>
+            </a:xfrm>
+            <a:prstGeom prst="rect">
+              <a:avLst/>
+            </a:prstGeom>
+            <a:noFill/>
+            <a:ln w="19050">
+              <a:noFill/>
+            </a:ln>
+          </p:spPr>
+          <p:txBody>
+            <a:bodyPr wrap="square" rtlCol="0">
+              <a:spAutoFit/>
+            </a:bodyPr>
+            <a:lstStyle/>
+            <a:p>
+              <a:r>
+                <a:rPr lang="en-US" altLang="zh-TW" sz="2000" b="1" dirty="0">
+                  <a:latin typeface="Times New Roman" panose="02020603050405020304" pitchFamily="18" charset="0"/>
+                  <a:ea typeface="標楷體" panose="03000509000000000000" pitchFamily="65" charset="-120"/>
+                  <a:cs typeface="Times New Roman" panose="02020603050405020304" pitchFamily="18" charset="0"/>
+                </a:rPr>
+                <a:t>Video_to_jpg.py</a:t>
+              </a:r>
+            </a:p>
+          </p:txBody>
+        </p:sp>
+      </p:grpSp>
+      <p:sp>
+        <p:nvSpPr>
+          <p:cNvPr id="76" name="文字方塊 75">
+            <a:extLst>
+              <a:ext uri="{FF2B5EF4-FFF2-40B4-BE49-F238E27FC236}">
+                <a16:creationId xmlns:a16="http://schemas.microsoft.com/office/drawing/2014/main" id="{B5E1A932-0125-39CF-57A1-2B9A9A157639}"/>
+              </a:ext>
+            </a:extLst>
+          </p:cNvPr>
+          <p:cNvSpPr txBox="1"/>
+          <p:nvPr/>
+        </p:nvSpPr>
+        <p:spPr>
+          <a:xfrm>
+            <a:off x="998007" y="2344244"/>
+            <a:ext cx="3295831" cy="461665"/>
+          </a:xfrm>
+          <a:prstGeom prst="rect">
+            <a:avLst/>
+          </a:prstGeom>
+          <a:solidFill>
+            <a:schemeClr val="accent4">
+              <a:lumMod val="40000"/>
+              <a:lumOff val="60000"/>
+            </a:schemeClr>
+          </a:solidFill>
+          <a:ln w="19050">
+            <a:noFill/>
+          </a:ln>
+        </p:spPr>
+        <p:txBody>
+          <a:bodyPr wrap="square" rtlCol="0">
+            <a:spAutoFit/>
+          </a:bodyPr>
+          <a:lstStyle/>
+          <a:p>
+            <a:r>
+              <a:rPr lang="zh-TW" altLang="en-US" sz="2400" dirty="0">
+                <a:latin typeface="Times New Roman" panose="02020603050405020304" pitchFamily="18" charset="0"/>
+                <a:ea typeface="標楷體" panose="03000509000000000000" pitchFamily="65" charset="-120"/>
+                <a:cs typeface="Times New Roman" panose="02020603050405020304" pitchFamily="18" charset="0"/>
+              </a:rPr>
+              <a:t>儲存間隔秒數預設一秒</a:t>
+            </a:r>
+          </a:p>
+        </p:txBody>
+      </p:sp>
+    </p:spTree>
+    <p:extLst>
+      <p:ext uri="{BB962C8B-B14F-4D97-AF65-F5344CB8AC3E}">
+        <p14:creationId xmlns:p14="http://schemas.microsoft.com/office/powerpoint/2010/main" val="3277111185"/>
+      </p:ext>
+    </p:extLst>
+  </p:cSld>
+  <p:clrMapOvr>
+    <a:masterClrMapping/>
+  </p:clrMapOvr>
+</p:sld>
+</file>
+
+<file path=ppt/slides/slide11.xml><?xml version="1.0" encoding="utf-8"?>
+<p:sld xmlns:a="http://schemas.openxmlformats.org/drawingml/2006/main" xmlns:r="http://schemas.openxmlformats.org/officeDocument/2006/relationships" xmlns:p="http://schemas.openxmlformats.org/presentationml/2006/main">
+  <p:cSld>
+    <p:spTree>
+      <p:nvGrpSpPr>
+        <p:cNvPr id="1" name=""/>
+        <p:cNvGrpSpPr/>
+        <p:nvPr/>
+      </p:nvGrpSpPr>
+      <p:grpSpPr>
+        <a:xfrm>
+          <a:off x="0" y="0"/>
+          <a:ext cx="0" cy="0"/>
+          <a:chOff x="0" y="0"/>
+          <a:chExt cx="0" cy="0"/>
+        </a:xfrm>
+      </p:grpSpPr>
+      <p:sp>
+        <p:nvSpPr>
+          <p:cNvPr id="2" name="文字方塊 1">
+            <a:extLst>
+              <a:ext uri="{FF2B5EF4-FFF2-40B4-BE49-F238E27FC236}">
+                <a16:creationId xmlns:a16="http://schemas.microsoft.com/office/drawing/2014/main" id="{46E6DA1A-1688-1CAD-C70D-DD9C4E32A82B}"/>
+              </a:ext>
+            </a:extLst>
+          </p:cNvPr>
+          <p:cNvSpPr txBox="1"/>
+          <p:nvPr/>
+        </p:nvSpPr>
+        <p:spPr>
+          <a:xfrm>
+            <a:off x="151495" y="206931"/>
             <a:ext cx="2874007" cy="461665"/>
           </a:xfrm>
           <a:prstGeom prst="rect">
@@ -4344,7 +5374,7 @@
 </p:sld>
 </file>
 
-<file path=ppt/slides/slide11.xml><?xml version="1.0" encoding="utf-8"?>
+<file path=ppt/slides/slide12.xml><?xml version="1.0" encoding="utf-8"?>
 <p:sld xmlns:a="http://schemas.openxmlformats.org/drawingml/2006/main" xmlns:r="http://schemas.openxmlformats.org/officeDocument/2006/relationships" xmlns:p="http://schemas.openxmlformats.org/presentationml/2006/main">
   <p:cSld>
     <p:spTree>
@@ -5105,7 +6135,7 @@
 </p:sld>
 </file>
 
-<file path=ppt/slides/slide12.xml><?xml version="1.0" encoding="utf-8"?>
+<file path=ppt/slides/slide13.xml><?xml version="1.0" encoding="utf-8"?>
 <p:sld xmlns:a="http://schemas.openxmlformats.org/drawingml/2006/main" xmlns:r="http://schemas.openxmlformats.org/officeDocument/2006/relationships" xmlns:p="http://schemas.openxmlformats.org/presentationml/2006/main">
   <p:cSld>
     <p:spTree>
@@ -6502,7 +7532,7 @@
 </p:sld>
 </file>
 
-<file path=ppt/slides/slide13.xml><?xml version="1.0" encoding="utf-8"?>
+<file path=ppt/slides/slide14.xml><?xml version="1.0" encoding="utf-8"?>
 <p:sld xmlns:a="http://schemas.openxmlformats.org/drawingml/2006/main" xmlns:r="http://schemas.openxmlformats.org/officeDocument/2006/relationships" xmlns:p="http://schemas.openxmlformats.org/presentationml/2006/main">
   <p:cSld>
     <p:spTree>
@@ -6938,7 +7968,7 @@
 </p:sld>
 </file>
 
-<file path=ppt/slides/slide14.xml><?xml version="1.0" encoding="utf-8"?>
+<file path=ppt/slides/slide15.xml><?xml version="1.0" encoding="utf-8"?>
 <p:sld xmlns:a="http://schemas.openxmlformats.org/drawingml/2006/main" xmlns:r="http://schemas.openxmlformats.org/officeDocument/2006/relationships" xmlns:p="http://schemas.openxmlformats.org/presentationml/2006/main">
   <p:cSld>
     <p:spTree>
@@ -7629,7 +8659,7 @@
 </p:sld>
 </file>
 
-<file path=ppt/slides/slide15.xml><?xml version="1.0" encoding="utf-8"?>
+<file path=ppt/slides/slide16.xml><?xml version="1.0" encoding="utf-8"?>
 <p:sld xmlns:a="http://schemas.openxmlformats.org/drawingml/2006/main" xmlns:r="http://schemas.openxmlformats.org/officeDocument/2006/relationships" xmlns:p="http://schemas.openxmlformats.org/presentationml/2006/main">
   <p:cSld>
     <p:spTree>
@@ -7988,7 +9018,7 @@
 </p:sld>
 </file>
 
-<file path=ppt/slides/slide16.xml><?xml version="1.0" encoding="utf-8"?>
+<file path=ppt/slides/slide17.xml><?xml version="1.0" encoding="utf-8"?>
 <p:sld xmlns:a="http://schemas.openxmlformats.org/drawingml/2006/main" xmlns:r="http://schemas.openxmlformats.org/officeDocument/2006/relationships" xmlns:p="http://schemas.openxmlformats.org/presentationml/2006/main">
   <p:cSld>
     <p:spTree>
@@ -8968,7 +9998,7 @@
 </p:sld>
 </file>
 
-<file path=ppt/slides/slide17.xml><?xml version="1.0" encoding="utf-8"?>
+<file path=ppt/slides/slide18.xml><?xml version="1.0" encoding="utf-8"?>
 <p:sld xmlns:a="http://schemas.openxmlformats.org/drawingml/2006/main" xmlns:r="http://schemas.openxmlformats.org/officeDocument/2006/relationships" xmlns:p="http://schemas.openxmlformats.org/presentationml/2006/main">
   <p:cSld>
     <p:spTree>
@@ -10108,7 +11138,7 @@
 </p:sld>
 </file>
 
-<file path=ppt/slides/slide18.xml><?xml version="1.0" encoding="utf-8"?>
+<file path=ppt/slides/slide19.xml><?xml version="1.0" encoding="utf-8"?>
 <p:sld xmlns:a="http://schemas.openxmlformats.org/drawingml/2006/main" xmlns:r="http://schemas.openxmlformats.org/officeDocument/2006/relationships" xmlns:p="http://schemas.openxmlformats.org/presentationml/2006/main">
   <p:cSld>
     <p:spTree>
@@ -10805,7 +11835,442 @@
 </p:sld>
 </file>
 
-<file path=ppt/slides/slide19.xml><?xml version="1.0" encoding="utf-8"?>
+<file path=ppt/slides/slide2.xml><?xml version="1.0" encoding="utf-8"?>
+<p:sld xmlns:a="http://schemas.openxmlformats.org/drawingml/2006/main" xmlns:r="http://schemas.openxmlformats.org/officeDocument/2006/relationships" xmlns:p="http://schemas.openxmlformats.org/presentationml/2006/main">
+  <p:cSld>
+    <p:spTree>
+      <p:nvGrpSpPr>
+        <p:cNvPr id="1" name=""/>
+        <p:cNvGrpSpPr/>
+        <p:nvPr/>
+      </p:nvGrpSpPr>
+      <p:grpSpPr>
+        <a:xfrm>
+          <a:off x="0" y="0"/>
+          <a:ext cx="0" cy="0"/>
+          <a:chOff x="0" y="0"/>
+          <a:chExt cx="0" cy="0"/>
+        </a:xfrm>
+      </p:grpSpPr>
+      <p:sp>
+        <p:nvSpPr>
+          <p:cNvPr id="2" name="文字方塊 1">
+            <a:extLst>
+              <a:ext uri="{FF2B5EF4-FFF2-40B4-BE49-F238E27FC236}">
+                <a16:creationId xmlns:a16="http://schemas.microsoft.com/office/drawing/2014/main" id="{226D1BE6-D429-5095-A03F-47C4AAE18A6E}"/>
+              </a:ext>
+            </a:extLst>
+          </p:cNvPr>
+          <p:cNvSpPr txBox="1"/>
+          <p:nvPr/>
+        </p:nvSpPr>
+        <p:spPr>
+          <a:xfrm>
+            <a:off x="151495" y="218506"/>
+            <a:ext cx="5402485" cy="461665"/>
+          </a:xfrm>
+          <a:prstGeom prst="rect">
+            <a:avLst/>
+          </a:prstGeom>
+          <a:noFill/>
+          <a:ln w="19050">
+            <a:solidFill>
+              <a:schemeClr val="tx1"/>
+            </a:solidFill>
+          </a:ln>
+        </p:spPr>
+        <p:txBody>
+          <a:bodyPr wrap="square" rtlCol="0">
+            <a:spAutoFit/>
+          </a:bodyPr>
+          <a:lstStyle/>
+          <a:p>
+            <a:r>
+              <a:rPr lang="zh-TW" altLang="en-US" sz="2400" b="1" dirty="0">
+                <a:solidFill>
+                  <a:srgbClr val="FF0000"/>
+                </a:solidFill>
+              </a:rPr>
+              <a:t>版本控管</a:t>
+            </a:r>
+            <a:r>
+              <a:rPr lang="en-US" altLang="zh-TW" sz="2400" b="1" dirty="0">
+                <a:solidFill>
+                  <a:srgbClr val="FF0000"/>
+                </a:solidFill>
+              </a:rPr>
+              <a:t>(</a:t>
+            </a:r>
+            <a:r>
+              <a:rPr lang="zh-TW" altLang="en-US" sz="2400" b="1" dirty="0">
+                <a:solidFill>
+                  <a:srgbClr val="FF0000"/>
+                </a:solidFill>
+              </a:rPr>
+              <a:t>結合危險聲音與危險動作</a:t>
+            </a:r>
+            <a:r>
+              <a:rPr lang="en-US" altLang="zh-TW" sz="2400" b="1" dirty="0">
+                <a:solidFill>
+                  <a:srgbClr val="FF0000"/>
+                </a:solidFill>
+              </a:rPr>
+              <a:t>)</a:t>
+            </a:r>
+            <a:endParaRPr lang="zh-TW" altLang="en-US" sz="2400" b="1" dirty="0">
+              <a:solidFill>
+                <a:srgbClr val="FF0000"/>
+              </a:solidFill>
+            </a:endParaRPr>
+          </a:p>
+        </p:txBody>
+      </p:sp>
+      <p:sp>
+        <p:nvSpPr>
+          <p:cNvPr id="4" name="文字方塊 3">
+            <a:extLst>
+              <a:ext uri="{FF2B5EF4-FFF2-40B4-BE49-F238E27FC236}">
+                <a16:creationId xmlns:a16="http://schemas.microsoft.com/office/drawing/2014/main" id="{149EA67A-CB53-E220-E8DC-288E4648BEB6}"/>
+              </a:ext>
+            </a:extLst>
+          </p:cNvPr>
+          <p:cNvSpPr txBox="1"/>
+          <p:nvPr/>
+        </p:nvSpPr>
+        <p:spPr>
+          <a:xfrm>
+            <a:off x="4440223" y="1895315"/>
+            <a:ext cx="5402485" cy="3139321"/>
+          </a:xfrm>
+          <a:prstGeom prst="rect">
+            <a:avLst/>
+          </a:prstGeom>
+          <a:noFill/>
+          <a:ln>
+            <a:solidFill>
+              <a:schemeClr val="tx1"/>
+            </a:solidFill>
+          </a:ln>
+        </p:spPr>
+        <p:txBody>
+          <a:bodyPr wrap="square">
+            <a:spAutoFit/>
+          </a:bodyPr>
+          <a:lstStyle/>
+          <a:p>
+            <a:r>
+              <a:rPr lang="en-US" altLang="zh-TW" dirty="0">
+                <a:solidFill>
+                  <a:srgbClr val="0000CC"/>
+                </a:solidFill>
+              </a:rPr>
+              <a:t>#-----------------------------------------</a:t>
+            </a:r>
+          </a:p>
+          <a:p>
+            <a:r>
+              <a:rPr lang="en-US" altLang="zh-TW" dirty="0">
+                <a:solidFill>
+                  <a:srgbClr val="0000CC"/>
+                </a:solidFill>
+              </a:rPr>
+              <a:t># </a:t>
+            </a:r>
+            <a:r>
+              <a:rPr lang="zh-TW" altLang="en-US" dirty="0">
+                <a:solidFill>
+                  <a:srgbClr val="0000CC"/>
+                </a:solidFill>
+              </a:rPr>
+              <a:t>到 </a:t>
+            </a:r>
+            <a:r>
+              <a:rPr lang="en-US" altLang="zh-TW" dirty="0">
+                <a:solidFill>
+                  <a:srgbClr val="0000CC"/>
+                </a:solidFill>
+              </a:rPr>
+              <a:t>tfpose-realtime2</a:t>
+            </a:r>
+            <a:r>
+              <a:rPr lang="zh-TW" altLang="en-US" dirty="0">
+                <a:solidFill>
+                  <a:srgbClr val="0000CC"/>
+                </a:solidFill>
+              </a:rPr>
+              <a:t> 資料夾下</a:t>
+            </a:r>
+            <a:endParaRPr lang="en-US" altLang="zh-TW" dirty="0">
+              <a:solidFill>
+                <a:srgbClr val="0000CC"/>
+              </a:solidFill>
+            </a:endParaRPr>
+          </a:p>
+          <a:p>
+            <a:r>
+              <a:rPr lang="en-US" altLang="zh-TW" dirty="0"/>
+              <a:t>pip install -r requirements.txt</a:t>
+            </a:r>
+          </a:p>
+          <a:p>
+            <a:r>
+              <a:rPr lang="en-US" altLang="zh-TW" dirty="0" err="1"/>
+              <a:t>conda</a:t>
+            </a:r>
+            <a:r>
+              <a:rPr lang="en-US" altLang="zh-TW" dirty="0"/>
+              <a:t> install -c </a:t>
+            </a:r>
+            <a:r>
+              <a:rPr lang="en-US" altLang="zh-TW" dirty="0" err="1"/>
+              <a:t>conda</a:t>
+            </a:r>
+            <a:r>
+              <a:rPr lang="en-US" altLang="zh-TW" dirty="0"/>
+              <a:t>-forge </a:t>
+            </a:r>
+            <a:r>
+              <a:rPr lang="en-US" altLang="zh-TW" dirty="0" err="1"/>
+              <a:t>opencv</a:t>
+            </a:r>
+            <a:endParaRPr lang="en-US" altLang="zh-TW" dirty="0"/>
+          </a:p>
+          <a:p>
+            <a:r>
+              <a:rPr lang="en-US" altLang="zh-TW" dirty="0" err="1"/>
+              <a:t>conda</a:t>
+            </a:r>
+            <a:r>
+              <a:rPr lang="en-US" altLang="zh-TW" dirty="0"/>
+              <a:t> install </a:t>
+            </a:r>
+            <a:r>
+              <a:rPr lang="en-US" altLang="zh-TW" dirty="0" err="1"/>
+              <a:t>tensorflow-gpu</a:t>
+            </a:r>
+            <a:r>
+              <a:rPr lang="en-US" altLang="zh-TW" dirty="0"/>
+              <a:t>==1.14</a:t>
+            </a:r>
+          </a:p>
+          <a:p>
+            <a:r>
+              <a:rPr lang="en-US" altLang="zh-TW" dirty="0"/>
+              <a:t>(</a:t>
+            </a:r>
+            <a:r>
+              <a:rPr lang="zh-TW" altLang="en-US" dirty="0"/>
+              <a:t>環境</a:t>
+            </a:r>
+            <a:r>
+              <a:rPr lang="en-US" altLang="zh-TW" dirty="0"/>
+              <a:t>)</a:t>
+            </a:r>
+            <a:r>
+              <a:rPr lang="zh-TW" altLang="en-US" dirty="0"/>
+              <a:t>刪除</a:t>
+            </a:r>
+            <a:r>
+              <a:rPr lang="en-US" altLang="zh-TW" dirty="0"/>
+              <a:t>Lib\site-packages\numpy-1.21.6.dist-info</a:t>
+            </a:r>
+          </a:p>
+          <a:p>
+            <a:r>
+              <a:rPr lang="en-US" altLang="zh-TW" dirty="0"/>
+              <a:t>pip install -r requirements2.txt</a:t>
+            </a:r>
+          </a:p>
+          <a:p>
+            <a:r>
+              <a:rPr lang="en-US" altLang="zh-TW" dirty="0"/>
+              <a:t>(</a:t>
+            </a:r>
+            <a:r>
+              <a:rPr lang="zh-TW" altLang="en-US" dirty="0"/>
+              <a:t>環境</a:t>
+            </a:r>
+            <a:r>
+              <a:rPr lang="en-US" altLang="zh-TW" dirty="0"/>
+              <a:t>)</a:t>
+            </a:r>
+            <a:r>
+              <a:rPr lang="zh-TW" altLang="en-US" dirty="0"/>
+              <a:t>在</a:t>
+            </a:r>
+            <a:r>
+              <a:rPr lang="en-US" altLang="zh-TW" dirty="0" err="1"/>
+              <a:t>tf_pose</a:t>
+            </a:r>
+            <a:r>
+              <a:rPr lang="zh-TW" altLang="en-US" dirty="0"/>
+              <a:t>裡的</a:t>
+            </a:r>
+            <a:r>
+              <a:rPr lang="en-US" altLang="zh-TW" dirty="0"/>
+              <a:t>estimator.py</a:t>
+            </a:r>
+            <a:r>
+              <a:rPr lang="zh-TW" altLang="en-US" dirty="0"/>
+              <a:t>刪除</a:t>
+            </a:r>
+            <a:endParaRPr lang="en-US" altLang="zh-TW" dirty="0"/>
+          </a:p>
+          <a:p>
+            <a:r>
+              <a:rPr lang="en-US" altLang="zh-TW" dirty="0"/>
+              <a:t>	Import </a:t>
+            </a:r>
+            <a:r>
+              <a:rPr lang="en-US" altLang="zh-TW" dirty="0" err="1"/>
+              <a:t>tensorflow.contrib.tensorrt</a:t>
+            </a:r>
+            <a:r>
+              <a:rPr lang="en-US" altLang="zh-TW" dirty="0"/>
+              <a:t> as </a:t>
+            </a:r>
+            <a:r>
+              <a:rPr lang="en-US" altLang="zh-TW" dirty="0" err="1"/>
+              <a:t>trt</a:t>
+            </a:r>
+            <a:endParaRPr lang="en-US" altLang="zh-TW" dirty="0"/>
+          </a:p>
+          <a:p>
+            <a:r>
+              <a:rPr lang="en-US" altLang="zh-TW" dirty="0"/>
+              <a:t>pip install PyAudio-0.2.11-cp37-cp37m-win_amd64.whl </a:t>
+            </a:r>
+          </a:p>
+          <a:p>
+            <a:r>
+              <a:rPr lang="en-US" altLang="zh-TW" dirty="0">
+                <a:solidFill>
+                  <a:srgbClr val="0000CC"/>
+                </a:solidFill>
+              </a:rPr>
+              <a:t>#-----------------------------------------</a:t>
+            </a:r>
+          </a:p>
+        </p:txBody>
+      </p:sp>
+      <p:sp>
+        <p:nvSpPr>
+          <p:cNvPr id="5" name="文字方塊 4">
+            <a:extLst>
+              <a:ext uri="{FF2B5EF4-FFF2-40B4-BE49-F238E27FC236}">
+                <a16:creationId xmlns:a16="http://schemas.microsoft.com/office/drawing/2014/main" id="{4BB54D2C-F2AE-AC0D-E752-A959B244CC76}"/>
+              </a:ext>
+            </a:extLst>
+          </p:cNvPr>
+          <p:cNvSpPr txBox="1"/>
+          <p:nvPr/>
+        </p:nvSpPr>
+        <p:spPr>
+          <a:xfrm>
+            <a:off x="151495" y="1895315"/>
+            <a:ext cx="3872697" cy="1200329"/>
+          </a:xfrm>
+          <a:prstGeom prst="rect">
+            <a:avLst/>
+          </a:prstGeom>
+          <a:noFill/>
+          <a:ln>
+            <a:solidFill>
+              <a:schemeClr val="tx1"/>
+            </a:solidFill>
+          </a:ln>
+        </p:spPr>
+        <p:txBody>
+          <a:bodyPr wrap="square">
+            <a:spAutoFit/>
+          </a:bodyPr>
+          <a:lstStyle/>
+          <a:p>
+            <a:r>
+              <a:rPr lang="en-US" altLang="zh-TW" dirty="0">
+                <a:solidFill>
+                  <a:srgbClr val="0000CC"/>
+                </a:solidFill>
+              </a:rPr>
+              <a:t>#-----------------------------------------</a:t>
+            </a:r>
+          </a:p>
+          <a:p>
+            <a:r>
+              <a:rPr lang="en-US" altLang="zh-TW" dirty="0">
+                <a:solidFill>
+                  <a:srgbClr val="0000CC"/>
+                </a:solidFill>
+              </a:rPr>
+              <a:t>#</a:t>
+            </a:r>
+            <a:r>
+              <a:rPr lang="zh-TW" altLang="en-US" dirty="0">
+                <a:solidFill>
+                  <a:srgbClr val="0000CC"/>
+                </a:solidFill>
+              </a:rPr>
+              <a:t>虛擬環境版本</a:t>
+            </a:r>
+            <a:endParaRPr lang="en-US" altLang="zh-TW" dirty="0">
+              <a:solidFill>
+                <a:srgbClr val="0000CC"/>
+              </a:solidFill>
+            </a:endParaRPr>
+          </a:p>
+          <a:p>
+            <a:r>
+              <a:rPr lang="zh-TW" altLang="en-US" dirty="0"/>
+              <a:t>conda create --n</a:t>
+            </a:r>
+            <a:r>
+              <a:rPr lang="en-US" altLang="zh-TW" dirty="0" err="1"/>
+              <a:t>ame</a:t>
+            </a:r>
+            <a:r>
+              <a:rPr lang="zh-TW" altLang="en-US" dirty="0"/>
+              <a:t> 5</a:t>
+            </a:r>
+            <a:r>
+              <a:rPr lang="en-US" altLang="zh-TW" dirty="0"/>
+              <a:t>4</a:t>
+            </a:r>
+            <a:r>
+              <a:rPr lang="zh-TW" altLang="en-US" dirty="0"/>
+              <a:t>fan python=3.7</a:t>
+            </a:r>
+          </a:p>
+          <a:p>
+            <a:r>
+              <a:rPr lang="zh-TW" altLang="en-US" dirty="0"/>
+              <a:t>activate 5</a:t>
+            </a:r>
+            <a:r>
+              <a:rPr lang="en-US" altLang="zh-TW" dirty="0"/>
+              <a:t>4</a:t>
+            </a:r>
+            <a:r>
+              <a:rPr lang="zh-TW" altLang="en-US" dirty="0"/>
+              <a:t>fan</a:t>
+            </a:r>
+            <a:endParaRPr lang="en-US" altLang="zh-TW" dirty="0"/>
+          </a:p>
+        </p:txBody>
+      </p:sp>
+    </p:spTree>
+    <p:extLst>
+      <p:ext uri="{BB962C8B-B14F-4D97-AF65-F5344CB8AC3E}">
+        <p14:creationId xmlns:p14="http://schemas.microsoft.com/office/powerpoint/2010/main" val="3219151192"/>
+      </p:ext>
+    </p:extLst>
+  </p:cSld>
+  <p:clrMapOvr>
+    <a:masterClrMapping/>
+  </p:clrMapOvr>
+</p:sld>
+</file>
+
+<file path=ppt/slides/slide20.xml><?xml version="1.0" encoding="utf-8"?>
 <p:sld xmlns:a="http://schemas.openxmlformats.org/drawingml/2006/main" xmlns:r="http://schemas.openxmlformats.org/officeDocument/2006/relationships" xmlns:p="http://schemas.openxmlformats.org/presentationml/2006/main">
   <p:cSld>
     <p:spTree>
@@ -11429,442 +12894,7 @@
 </p:sld>
 </file>
 
-<file path=ppt/slides/slide2.xml><?xml version="1.0" encoding="utf-8"?>
-<p:sld xmlns:a="http://schemas.openxmlformats.org/drawingml/2006/main" xmlns:r="http://schemas.openxmlformats.org/officeDocument/2006/relationships" xmlns:p="http://schemas.openxmlformats.org/presentationml/2006/main">
-  <p:cSld>
-    <p:spTree>
-      <p:nvGrpSpPr>
-        <p:cNvPr id="1" name=""/>
-        <p:cNvGrpSpPr/>
-        <p:nvPr/>
-      </p:nvGrpSpPr>
-      <p:grpSpPr>
-        <a:xfrm>
-          <a:off x="0" y="0"/>
-          <a:ext cx="0" cy="0"/>
-          <a:chOff x="0" y="0"/>
-          <a:chExt cx="0" cy="0"/>
-        </a:xfrm>
-      </p:grpSpPr>
-      <p:sp>
-        <p:nvSpPr>
-          <p:cNvPr id="2" name="文字方塊 1">
-            <a:extLst>
-              <a:ext uri="{FF2B5EF4-FFF2-40B4-BE49-F238E27FC236}">
-                <a16:creationId xmlns:a16="http://schemas.microsoft.com/office/drawing/2014/main" id="{226D1BE6-D429-5095-A03F-47C4AAE18A6E}"/>
-              </a:ext>
-            </a:extLst>
-          </p:cNvPr>
-          <p:cNvSpPr txBox="1"/>
-          <p:nvPr/>
-        </p:nvSpPr>
-        <p:spPr>
-          <a:xfrm>
-            <a:off x="151495" y="218506"/>
-            <a:ext cx="5402485" cy="461665"/>
-          </a:xfrm>
-          <a:prstGeom prst="rect">
-            <a:avLst/>
-          </a:prstGeom>
-          <a:noFill/>
-          <a:ln w="19050">
-            <a:solidFill>
-              <a:schemeClr val="tx1"/>
-            </a:solidFill>
-          </a:ln>
-        </p:spPr>
-        <p:txBody>
-          <a:bodyPr wrap="square" rtlCol="0">
-            <a:spAutoFit/>
-          </a:bodyPr>
-          <a:lstStyle/>
-          <a:p>
-            <a:r>
-              <a:rPr lang="zh-TW" altLang="en-US" sz="2400" b="1" dirty="0">
-                <a:solidFill>
-                  <a:srgbClr val="FF0000"/>
-                </a:solidFill>
-              </a:rPr>
-              <a:t>版本控管</a:t>
-            </a:r>
-            <a:r>
-              <a:rPr lang="en-US" altLang="zh-TW" sz="2400" b="1" dirty="0">
-                <a:solidFill>
-                  <a:srgbClr val="FF0000"/>
-                </a:solidFill>
-              </a:rPr>
-              <a:t>(</a:t>
-            </a:r>
-            <a:r>
-              <a:rPr lang="zh-TW" altLang="en-US" sz="2400" b="1" dirty="0">
-                <a:solidFill>
-                  <a:srgbClr val="FF0000"/>
-                </a:solidFill>
-              </a:rPr>
-              <a:t>結合危險聲音與危險動作</a:t>
-            </a:r>
-            <a:r>
-              <a:rPr lang="en-US" altLang="zh-TW" sz="2400" b="1" dirty="0">
-                <a:solidFill>
-                  <a:srgbClr val="FF0000"/>
-                </a:solidFill>
-              </a:rPr>
-              <a:t>)</a:t>
-            </a:r>
-            <a:endParaRPr lang="zh-TW" altLang="en-US" sz="2400" b="1" dirty="0">
-              <a:solidFill>
-                <a:srgbClr val="FF0000"/>
-              </a:solidFill>
-            </a:endParaRPr>
-          </a:p>
-        </p:txBody>
-      </p:sp>
-      <p:sp>
-        <p:nvSpPr>
-          <p:cNvPr id="4" name="文字方塊 3">
-            <a:extLst>
-              <a:ext uri="{FF2B5EF4-FFF2-40B4-BE49-F238E27FC236}">
-                <a16:creationId xmlns:a16="http://schemas.microsoft.com/office/drawing/2014/main" id="{149EA67A-CB53-E220-E8DC-288E4648BEB6}"/>
-              </a:ext>
-            </a:extLst>
-          </p:cNvPr>
-          <p:cNvSpPr txBox="1"/>
-          <p:nvPr/>
-        </p:nvSpPr>
-        <p:spPr>
-          <a:xfrm>
-            <a:off x="4440223" y="1895315"/>
-            <a:ext cx="5402485" cy="3139321"/>
-          </a:xfrm>
-          <a:prstGeom prst="rect">
-            <a:avLst/>
-          </a:prstGeom>
-          <a:noFill/>
-          <a:ln>
-            <a:solidFill>
-              <a:schemeClr val="tx1"/>
-            </a:solidFill>
-          </a:ln>
-        </p:spPr>
-        <p:txBody>
-          <a:bodyPr wrap="square">
-            <a:spAutoFit/>
-          </a:bodyPr>
-          <a:lstStyle/>
-          <a:p>
-            <a:r>
-              <a:rPr lang="en-US" altLang="zh-TW" dirty="0">
-                <a:solidFill>
-                  <a:srgbClr val="0000CC"/>
-                </a:solidFill>
-              </a:rPr>
-              <a:t>#-----------------------------------------</a:t>
-            </a:r>
-          </a:p>
-          <a:p>
-            <a:r>
-              <a:rPr lang="en-US" altLang="zh-TW" dirty="0">
-                <a:solidFill>
-                  <a:srgbClr val="0000CC"/>
-                </a:solidFill>
-              </a:rPr>
-              <a:t># </a:t>
-            </a:r>
-            <a:r>
-              <a:rPr lang="zh-TW" altLang="en-US" dirty="0">
-                <a:solidFill>
-                  <a:srgbClr val="0000CC"/>
-                </a:solidFill>
-              </a:rPr>
-              <a:t>到 </a:t>
-            </a:r>
-            <a:r>
-              <a:rPr lang="en-US" altLang="zh-TW" dirty="0">
-                <a:solidFill>
-                  <a:srgbClr val="0000CC"/>
-                </a:solidFill>
-              </a:rPr>
-              <a:t>tfpose-realtime2</a:t>
-            </a:r>
-            <a:r>
-              <a:rPr lang="zh-TW" altLang="en-US" dirty="0">
-                <a:solidFill>
-                  <a:srgbClr val="0000CC"/>
-                </a:solidFill>
-              </a:rPr>
-              <a:t> 資料夾下</a:t>
-            </a:r>
-            <a:endParaRPr lang="en-US" altLang="zh-TW" dirty="0">
-              <a:solidFill>
-                <a:srgbClr val="0000CC"/>
-              </a:solidFill>
-            </a:endParaRPr>
-          </a:p>
-          <a:p>
-            <a:r>
-              <a:rPr lang="en-US" altLang="zh-TW" dirty="0"/>
-              <a:t>pip install -r requirements.txt</a:t>
-            </a:r>
-          </a:p>
-          <a:p>
-            <a:r>
-              <a:rPr lang="en-US" altLang="zh-TW" dirty="0" err="1"/>
-              <a:t>conda</a:t>
-            </a:r>
-            <a:r>
-              <a:rPr lang="en-US" altLang="zh-TW" dirty="0"/>
-              <a:t> install -c </a:t>
-            </a:r>
-            <a:r>
-              <a:rPr lang="en-US" altLang="zh-TW" dirty="0" err="1"/>
-              <a:t>conda</a:t>
-            </a:r>
-            <a:r>
-              <a:rPr lang="en-US" altLang="zh-TW" dirty="0"/>
-              <a:t>-forge </a:t>
-            </a:r>
-            <a:r>
-              <a:rPr lang="en-US" altLang="zh-TW" dirty="0" err="1"/>
-              <a:t>opencv</a:t>
-            </a:r>
-            <a:endParaRPr lang="en-US" altLang="zh-TW" dirty="0"/>
-          </a:p>
-          <a:p>
-            <a:r>
-              <a:rPr lang="en-US" altLang="zh-TW" dirty="0" err="1"/>
-              <a:t>conda</a:t>
-            </a:r>
-            <a:r>
-              <a:rPr lang="en-US" altLang="zh-TW" dirty="0"/>
-              <a:t> install </a:t>
-            </a:r>
-            <a:r>
-              <a:rPr lang="en-US" altLang="zh-TW" dirty="0" err="1"/>
-              <a:t>tensorflow-gpu</a:t>
-            </a:r>
-            <a:r>
-              <a:rPr lang="en-US" altLang="zh-TW" dirty="0"/>
-              <a:t>==1.14</a:t>
-            </a:r>
-          </a:p>
-          <a:p>
-            <a:r>
-              <a:rPr lang="en-US" altLang="zh-TW" dirty="0"/>
-              <a:t>(</a:t>
-            </a:r>
-            <a:r>
-              <a:rPr lang="zh-TW" altLang="en-US" dirty="0"/>
-              <a:t>環境</a:t>
-            </a:r>
-            <a:r>
-              <a:rPr lang="en-US" altLang="zh-TW" dirty="0"/>
-              <a:t>)</a:t>
-            </a:r>
-            <a:r>
-              <a:rPr lang="zh-TW" altLang="en-US" dirty="0"/>
-              <a:t>刪除</a:t>
-            </a:r>
-            <a:r>
-              <a:rPr lang="en-US" altLang="zh-TW" dirty="0"/>
-              <a:t>Lib\site-packages\numpy-1.21.6.dist-info</a:t>
-            </a:r>
-          </a:p>
-          <a:p>
-            <a:r>
-              <a:rPr lang="en-US" altLang="zh-TW" dirty="0"/>
-              <a:t>pip install -r requirements2.txt</a:t>
-            </a:r>
-          </a:p>
-          <a:p>
-            <a:r>
-              <a:rPr lang="en-US" altLang="zh-TW" dirty="0"/>
-              <a:t>(</a:t>
-            </a:r>
-            <a:r>
-              <a:rPr lang="zh-TW" altLang="en-US" dirty="0"/>
-              <a:t>環境</a:t>
-            </a:r>
-            <a:r>
-              <a:rPr lang="en-US" altLang="zh-TW" dirty="0"/>
-              <a:t>)</a:t>
-            </a:r>
-            <a:r>
-              <a:rPr lang="zh-TW" altLang="en-US" dirty="0"/>
-              <a:t>在</a:t>
-            </a:r>
-            <a:r>
-              <a:rPr lang="en-US" altLang="zh-TW" dirty="0" err="1"/>
-              <a:t>tf_pose</a:t>
-            </a:r>
-            <a:r>
-              <a:rPr lang="zh-TW" altLang="en-US" dirty="0"/>
-              <a:t>裡的</a:t>
-            </a:r>
-            <a:r>
-              <a:rPr lang="en-US" altLang="zh-TW" dirty="0"/>
-              <a:t>estimator.py</a:t>
-            </a:r>
-            <a:r>
-              <a:rPr lang="zh-TW" altLang="en-US" dirty="0"/>
-              <a:t>刪除</a:t>
-            </a:r>
-            <a:endParaRPr lang="en-US" altLang="zh-TW" dirty="0"/>
-          </a:p>
-          <a:p>
-            <a:r>
-              <a:rPr lang="en-US" altLang="zh-TW" dirty="0"/>
-              <a:t>	Import </a:t>
-            </a:r>
-            <a:r>
-              <a:rPr lang="en-US" altLang="zh-TW" dirty="0" err="1"/>
-              <a:t>tensorflow.contrib.tensorrt</a:t>
-            </a:r>
-            <a:r>
-              <a:rPr lang="en-US" altLang="zh-TW" dirty="0"/>
-              <a:t> as </a:t>
-            </a:r>
-            <a:r>
-              <a:rPr lang="en-US" altLang="zh-TW" dirty="0" err="1"/>
-              <a:t>trt</a:t>
-            </a:r>
-            <a:endParaRPr lang="en-US" altLang="zh-TW" dirty="0"/>
-          </a:p>
-          <a:p>
-            <a:r>
-              <a:rPr lang="en-US" altLang="zh-TW" dirty="0"/>
-              <a:t>pip install PyAudio-0.2.11-cp37-cp37m-win_amd64.whl </a:t>
-            </a:r>
-          </a:p>
-          <a:p>
-            <a:r>
-              <a:rPr lang="en-US" altLang="zh-TW" dirty="0">
-                <a:solidFill>
-                  <a:srgbClr val="0000CC"/>
-                </a:solidFill>
-              </a:rPr>
-              <a:t>#-----------------------------------------</a:t>
-            </a:r>
-          </a:p>
-        </p:txBody>
-      </p:sp>
-      <p:sp>
-        <p:nvSpPr>
-          <p:cNvPr id="5" name="文字方塊 4">
-            <a:extLst>
-              <a:ext uri="{FF2B5EF4-FFF2-40B4-BE49-F238E27FC236}">
-                <a16:creationId xmlns:a16="http://schemas.microsoft.com/office/drawing/2014/main" id="{4BB54D2C-F2AE-AC0D-E752-A959B244CC76}"/>
-              </a:ext>
-            </a:extLst>
-          </p:cNvPr>
-          <p:cNvSpPr txBox="1"/>
-          <p:nvPr/>
-        </p:nvSpPr>
-        <p:spPr>
-          <a:xfrm>
-            <a:off x="151495" y="1895315"/>
-            <a:ext cx="3872697" cy="1200329"/>
-          </a:xfrm>
-          <a:prstGeom prst="rect">
-            <a:avLst/>
-          </a:prstGeom>
-          <a:noFill/>
-          <a:ln>
-            <a:solidFill>
-              <a:schemeClr val="tx1"/>
-            </a:solidFill>
-          </a:ln>
-        </p:spPr>
-        <p:txBody>
-          <a:bodyPr wrap="square">
-            <a:spAutoFit/>
-          </a:bodyPr>
-          <a:lstStyle/>
-          <a:p>
-            <a:r>
-              <a:rPr lang="en-US" altLang="zh-TW" dirty="0">
-                <a:solidFill>
-                  <a:srgbClr val="0000CC"/>
-                </a:solidFill>
-              </a:rPr>
-              <a:t>#-----------------------------------------</a:t>
-            </a:r>
-          </a:p>
-          <a:p>
-            <a:r>
-              <a:rPr lang="en-US" altLang="zh-TW" dirty="0">
-                <a:solidFill>
-                  <a:srgbClr val="0000CC"/>
-                </a:solidFill>
-              </a:rPr>
-              <a:t>#</a:t>
-            </a:r>
-            <a:r>
-              <a:rPr lang="zh-TW" altLang="en-US" dirty="0">
-                <a:solidFill>
-                  <a:srgbClr val="0000CC"/>
-                </a:solidFill>
-              </a:rPr>
-              <a:t>虛擬環境版本</a:t>
-            </a:r>
-            <a:endParaRPr lang="en-US" altLang="zh-TW" dirty="0">
-              <a:solidFill>
-                <a:srgbClr val="0000CC"/>
-              </a:solidFill>
-            </a:endParaRPr>
-          </a:p>
-          <a:p>
-            <a:r>
-              <a:rPr lang="zh-TW" altLang="en-US" dirty="0"/>
-              <a:t>conda create --n</a:t>
-            </a:r>
-            <a:r>
-              <a:rPr lang="en-US" altLang="zh-TW" dirty="0" err="1"/>
-              <a:t>ame</a:t>
-            </a:r>
-            <a:r>
-              <a:rPr lang="zh-TW" altLang="en-US" dirty="0"/>
-              <a:t> 5</a:t>
-            </a:r>
-            <a:r>
-              <a:rPr lang="en-US" altLang="zh-TW" dirty="0"/>
-              <a:t>4</a:t>
-            </a:r>
-            <a:r>
-              <a:rPr lang="zh-TW" altLang="en-US" dirty="0"/>
-              <a:t>fan python=3.7</a:t>
-            </a:r>
-          </a:p>
-          <a:p>
-            <a:r>
-              <a:rPr lang="zh-TW" altLang="en-US" dirty="0"/>
-              <a:t>activate 5</a:t>
-            </a:r>
-            <a:r>
-              <a:rPr lang="en-US" altLang="zh-TW" dirty="0"/>
-              <a:t>4</a:t>
-            </a:r>
-            <a:r>
-              <a:rPr lang="zh-TW" altLang="en-US" dirty="0"/>
-              <a:t>fan</a:t>
-            </a:r>
-            <a:endParaRPr lang="en-US" altLang="zh-TW" dirty="0"/>
-          </a:p>
-        </p:txBody>
-      </p:sp>
-    </p:spTree>
-    <p:extLst>
-      <p:ext uri="{BB962C8B-B14F-4D97-AF65-F5344CB8AC3E}">
-        <p14:creationId xmlns:p14="http://schemas.microsoft.com/office/powerpoint/2010/main" val="3219151192"/>
-      </p:ext>
-    </p:extLst>
-  </p:cSld>
-  <p:clrMapOvr>
-    <a:masterClrMapping/>
-  </p:clrMapOvr>
-</p:sld>
-</file>
-
-<file path=ppt/slides/slide20.xml><?xml version="1.0" encoding="utf-8"?>
+<file path=ppt/slides/slide21.xml><?xml version="1.0" encoding="utf-8"?>
 <p:sld xmlns:a="http://schemas.openxmlformats.org/drawingml/2006/main" xmlns:r="http://schemas.openxmlformats.org/officeDocument/2006/relationships" xmlns:p="http://schemas.openxmlformats.org/presentationml/2006/main">
   <p:cSld>
     <p:spTree>
@@ -12019,7 +13049,7 @@
 </p:sld>
 </file>
 
-<file path=ppt/slides/slide21.xml><?xml version="1.0" encoding="utf-8"?>
+<file path=ppt/slides/slide22.xml><?xml version="1.0" encoding="utf-8"?>
 <p:sld xmlns:a="http://schemas.openxmlformats.org/drawingml/2006/main" xmlns:r="http://schemas.openxmlformats.org/officeDocument/2006/relationships" xmlns:p="http://schemas.openxmlformats.org/presentationml/2006/main">
   <p:cSld>
     <p:spTree>
@@ -12641,7 +13671,7 @@
 </p:sld>
 </file>
 
-<file path=ppt/slides/slide22.xml><?xml version="1.0" encoding="utf-8"?>
+<file path=ppt/slides/slide23.xml><?xml version="1.0" encoding="utf-8"?>
 <p:sld xmlns:a="http://schemas.openxmlformats.org/drawingml/2006/main" xmlns:r="http://schemas.openxmlformats.org/officeDocument/2006/relationships" xmlns:p="http://schemas.openxmlformats.org/presentationml/2006/main">
   <p:cSld>
     <p:spTree>
@@ -12720,7 +13750,7 @@
 </p:sld>
 </file>
 
-<file path=ppt/slides/slide23.xml><?xml version="1.0" encoding="utf-8"?>
+<file path=ppt/slides/slide24.xml><?xml version="1.0" encoding="utf-8"?>
 <p:sld xmlns:a="http://schemas.openxmlformats.org/drawingml/2006/main" xmlns:r="http://schemas.openxmlformats.org/officeDocument/2006/relationships" xmlns:p="http://schemas.openxmlformats.org/presentationml/2006/main">
   <p:cSld>
     <p:spTree>
@@ -13368,7 +14398,7 @@
 </p:sld>
 </file>
 
-<file path=ppt/slides/slide24.xml><?xml version="1.0" encoding="utf-8"?>
+<file path=ppt/slides/slide25.xml><?xml version="1.0" encoding="utf-8"?>
 <p:sld xmlns:a="http://schemas.openxmlformats.org/drawingml/2006/main" xmlns:r="http://schemas.openxmlformats.org/officeDocument/2006/relationships" xmlns:p="http://schemas.openxmlformats.org/presentationml/2006/main">
   <p:cSld>
     <p:spTree>
@@ -13916,7 +14946,7 @@
 </p:sld>
 </file>
 
-<file path=ppt/slides/slide25.xml><?xml version="1.0" encoding="utf-8"?>
+<file path=ppt/slides/slide26.xml><?xml version="1.0" encoding="utf-8"?>
 <p:sld xmlns:a="http://schemas.openxmlformats.org/drawingml/2006/main" xmlns:r="http://schemas.openxmlformats.org/officeDocument/2006/relationships" xmlns:p="http://schemas.openxmlformats.org/presentationml/2006/main">
   <p:cSld>
     <p:spTree>
@@ -15265,7 +16295,7 @@
 </p:sld>
 </file>
 
-<file path=ppt/slides/slide26.xml><?xml version="1.0" encoding="utf-8"?>
+<file path=ppt/slides/slide27.xml><?xml version="1.0" encoding="utf-8"?>
 <p:sld xmlns:a="http://schemas.openxmlformats.org/drawingml/2006/main" xmlns:r="http://schemas.openxmlformats.org/officeDocument/2006/relationships" xmlns:p="http://schemas.openxmlformats.org/presentationml/2006/main">
   <p:cSld>
     <p:spTree>
@@ -16233,7 +17263,7 @@
 </p:sld>
 </file>
 
-<file path=ppt/slides/slide27.xml><?xml version="1.0" encoding="utf-8"?>
+<file path=ppt/slides/slide28.xml><?xml version="1.0" encoding="utf-8"?>
 <p:sld xmlns:a="http://schemas.openxmlformats.org/drawingml/2006/main" xmlns:r="http://schemas.openxmlformats.org/officeDocument/2006/relationships" xmlns:p="http://schemas.openxmlformats.org/presentationml/2006/main">
   <p:cSld>
     <p:spTree>
@@ -16832,7 +17862,7 @@
 </p:sld>
 </file>
 
-<file path=ppt/slides/slide28.xml><?xml version="1.0" encoding="utf-8"?>
+<file path=ppt/slides/slide29.xml><?xml version="1.0" encoding="utf-8"?>
 <p:sld xmlns:a="http://schemas.openxmlformats.org/drawingml/2006/main" xmlns:r="http://schemas.openxmlformats.org/officeDocument/2006/relationships" xmlns:p="http://schemas.openxmlformats.org/presentationml/2006/main">
   <p:cSld>
     <p:spTree>
@@ -16902,150 +17932,6 @@
     <p:extLst>
       <p:ext uri="{BB962C8B-B14F-4D97-AF65-F5344CB8AC3E}">
         <p14:creationId xmlns:p14="http://schemas.microsoft.com/office/powerpoint/2010/main" val="2090394115"/>
-      </p:ext>
-    </p:extLst>
-  </p:cSld>
-  <p:clrMapOvr>
-    <a:masterClrMapping/>
-  </p:clrMapOvr>
-</p:sld>
-</file>
-
-<file path=ppt/slides/slide29.xml><?xml version="1.0" encoding="utf-8"?>
-<p:sld xmlns:a="http://schemas.openxmlformats.org/drawingml/2006/main" xmlns:r="http://schemas.openxmlformats.org/officeDocument/2006/relationships" xmlns:p="http://schemas.openxmlformats.org/presentationml/2006/main">
-  <p:cSld>
-    <p:spTree>
-      <p:nvGrpSpPr>
-        <p:cNvPr id="1" name=""/>
-        <p:cNvGrpSpPr/>
-        <p:nvPr/>
-      </p:nvGrpSpPr>
-      <p:grpSpPr>
-        <a:xfrm>
-          <a:off x="0" y="0"/>
-          <a:ext cx="0" cy="0"/>
-          <a:chOff x="0" y="0"/>
-          <a:chExt cx="0" cy="0"/>
-        </a:xfrm>
-      </p:grpSpPr>
-      <p:sp>
-        <p:nvSpPr>
-          <p:cNvPr id="3" name="文字方塊 2">
-            <a:extLst>
-              <a:ext uri="{FF2B5EF4-FFF2-40B4-BE49-F238E27FC236}">
-                <a16:creationId xmlns:a16="http://schemas.microsoft.com/office/drawing/2014/main" id="{FAD9CB6B-9C81-2724-3A2C-E8BBED45E3C3}"/>
-              </a:ext>
-            </a:extLst>
-          </p:cNvPr>
-          <p:cNvSpPr txBox="1"/>
-          <p:nvPr/>
-        </p:nvSpPr>
-        <p:spPr>
-          <a:xfrm>
-            <a:off x="267873" y="2360828"/>
-            <a:ext cx="5318280" cy="1200329"/>
-          </a:xfrm>
-          <a:prstGeom prst="rect">
-            <a:avLst/>
-          </a:prstGeom>
-          <a:noFill/>
-          <a:ln>
-            <a:solidFill>
-              <a:schemeClr val="tx1"/>
-            </a:solidFill>
-          </a:ln>
-        </p:spPr>
-        <p:txBody>
-          <a:bodyPr wrap="square">
-            <a:spAutoFit/>
-          </a:bodyPr>
-          <a:lstStyle/>
-          <a:p>
-            <a:r>
-              <a:rPr lang="en-US" altLang="zh-TW" dirty="0">
-                <a:solidFill>
-                  <a:srgbClr val="0000CC"/>
-                </a:solidFill>
-              </a:rPr>
-              <a:t>#-----------------------------------------</a:t>
-            </a:r>
-          </a:p>
-          <a:p>
-            <a:r>
-              <a:rPr lang="en-US" altLang="zh-TW" dirty="0">
-                <a:solidFill>
-                  <a:srgbClr val="0000CC"/>
-                </a:solidFill>
-              </a:rPr>
-              <a:t>#</a:t>
-            </a:r>
-            <a:r>
-              <a:rPr lang="zh-TW" altLang="en-US" dirty="0">
-                <a:solidFill>
-                  <a:srgbClr val="0000CC"/>
-                </a:solidFill>
-              </a:rPr>
-              <a:t>修改 </a:t>
-            </a:r>
-            <a:r>
-              <a:rPr lang="en-US" altLang="zh-TW" dirty="0">
-                <a:solidFill>
-                  <a:srgbClr val="0000CC"/>
-                </a:solidFill>
-              </a:rPr>
-              <a:t>prediction.py</a:t>
-            </a:r>
-          </a:p>
-          <a:p>
-            <a:r>
-              <a:rPr lang="en-US" altLang="zh-TW" dirty="0"/>
-              <a:t>from </a:t>
-            </a:r>
-            <a:r>
-              <a:rPr lang="en-US" altLang="zh-TW" dirty="0" err="1"/>
-              <a:t>keras.models</a:t>
-            </a:r>
-            <a:r>
-              <a:rPr lang="en-US" altLang="zh-TW" dirty="0"/>
-              <a:t> import </a:t>
-            </a:r>
-            <a:r>
-              <a:rPr lang="en-US" altLang="zh-TW" dirty="0" err="1"/>
-              <a:t>load_model</a:t>
-            </a:r>
-            <a:endParaRPr lang="en-US" altLang="zh-TW" dirty="0"/>
-          </a:p>
-          <a:p>
-            <a:r>
-              <a:rPr lang="en-US" altLang="zh-TW" dirty="0">
-                <a:sym typeface="Wingdings" panose="05000000000000000000" pitchFamily="2" charset="2"/>
-              </a:rPr>
-              <a:t></a:t>
-            </a:r>
-            <a:r>
-              <a:rPr lang="en-US" altLang="zh-TW" dirty="0"/>
-              <a:t>from </a:t>
-            </a:r>
-            <a:r>
-              <a:rPr lang="en-US" altLang="zh-TW" dirty="0" err="1"/>
-              <a:t>tensorflow.keras.models</a:t>
-            </a:r>
-            <a:r>
-              <a:rPr lang="en-US" altLang="zh-TW" dirty="0"/>
-              <a:t> import </a:t>
-            </a:r>
-            <a:r>
-              <a:rPr lang="en-US" altLang="zh-TW" dirty="0" err="1"/>
-              <a:t>load_model</a:t>
-            </a:r>
-            <a:endParaRPr lang="en-US" altLang="zh-TW" dirty="0"/>
-          </a:p>
-        </p:txBody>
-      </p:sp>
-    </p:spTree>
-    <p:extLst>
-      <p:ext uri="{BB962C8B-B14F-4D97-AF65-F5344CB8AC3E}">
-        <p14:creationId xmlns:p14="http://schemas.microsoft.com/office/powerpoint/2010/main" val="2331523430"/>
       </p:ext>
     </p:extLst>
   </p:cSld>
@@ -17803,6 +18689,150 @@
     <p:extLst>
       <p:ext uri="{BB962C8B-B14F-4D97-AF65-F5344CB8AC3E}">
         <p14:creationId xmlns:p14="http://schemas.microsoft.com/office/powerpoint/2010/main" val="536136067"/>
+      </p:ext>
+    </p:extLst>
+  </p:cSld>
+  <p:clrMapOvr>
+    <a:masterClrMapping/>
+  </p:clrMapOvr>
+</p:sld>
+</file>
+
+<file path=ppt/slides/slide30.xml><?xml version="1.0" encoding="utf-8"?>
+<p:sld xmlns:a="http://schemas.openxmlformats.org/drawingml/2006/main" xmlns:r="http://schemas.openxmlformats.org/officeDocument/2006/relationships" xmlns:p="http://schemas.openxmlformats.org/presentationml/2006/main">
+  <p:cSld>
+    <p:spTree>
+      <p:nvGrpSpPr>
+        <p:cNvPr id="1" name=""/>
+        <p:cNvGrpSpPr/>
+        <p:nvPr/>
+      </p:nvGrpSpPr>
+      <p:grpSpPr>
+        <a:xfrm>
+          <a:off x="0" y="0"/>
+          <a:ext cx="0" cy="0"/>
+          <a:chOff x="0" y="0"/>
+          <a:chExt cx="0" cy="0"/>
+        </a:xfrm>
+      </p:grpSpPr>
+      <p:sp>
+        <p:nvSpPr>
+          <p:cNvPr id="3" name="文字方塊 2">
+            <a:extLst>
+              <a:ext uri="{FF2B5EF4-FFF2-40B4-BE49-F238E27FC236}">
+                <a16:creationId xmlns:a16="http://schemas.microsoft.com/office/drawing/2014/main" id="{FAD9CB6B-9C81-2724-3A2C-E8BBED45E3C3}"/>
+              </a:ext>
+            </a:extLst>
+          </p:cNvPr>
+          <p:cNvSpPr txBox="1"/>
+          <p:nvPr/>
+        </p:nvSpPr>
+        <p:spPr>
+          <a:xfrm>
+            <a:off x="267873" y="2360828"/>
+            <a:ext cx="5318280" cy="1200329"/>
+          </a:xfrm>
+          <a:prstGeom prst="rect">
+            <a:avLst/>
+          </a:prstGeom>
+          <a:noFill/>
+          <a:ln>
+            <a:solidFill>
+              <a:schemeClr val="tx1"/>
+            </a:solidFill>
+          </a:ln>
+        </p:spPr>
+        <p:txBody>
+          <a:bodyPr wrap="square">
+            <a:spAutoFit/>
+          </a:bodyPr>
+          <a:lstStyle/>
+          <a:p>
+            <a:r>
+              <a:rPr lang="en-US" altLang="zh-TW" dirty="0">
+                <a:solidFill>
+                  <a:srgbClr val="0000CC"/>
+                </a:solidFill>
+              </a:rPr>
+              <a:t>#-----------------------------------------</a:t>
+            </a:r>
+          </a:p>
+          <a:p>
+            <a:r>
+              <a:rPr lang="en-US" altLang="zh-TW" dirty="0">
+                <a:solidFill>
+                  <a:srgbClr val="0000CC"/>
+                </a:solidFill>
+              </a:rPr>
+              <a:t>#</a:t>
+            </a:r>
+            <a:r>
+              <a:rPr lang="zh-TW" altLang="en-US" dirty="0">
+                <a:solidFill>
+                  <a:srgbClr val="0000CC"/>
+                </a:solidFill>
+              </a:rPr>
+              <a:t>修改 </a:t>
+            </a:r>
+            <a:r>
+              <a:rPr lang="en-US" altLang="zh-TW" dirty="0">
+                <a:solidFill>
+                  <a:srgbClr val="0000CC"/>
+                </a:solidFill>
+              </a:rPr>
+              <a:t>prediction.py</a:t>
+            </a:r>
+          </a:p>
+          <a:p>
+            <a:r>
+              <a:rPr lang="en-US" altLang="zh-TW" dirty="0"/>
+              <a:t>from </a:t>
+            </a:r>
+            <a:r>
+              <a:rPr lang="en-US" altLang="zh-TW" dirty="0" err="1"/>
+              <a:t>keras.models</a:t>
+            </a:r>
+            <a:r>
+              <a:rPr lang="en-US" altLang="zh-TW" dirty="0"/>
+              <a:t> import </a:t>
+            </a:r>
+            <a:r>
+              <a:rPr lang="en-US" altLang="zh-TW" dirty="0" err="1"/>
+              <a:t>load_model</a:t>
+            </a:r>
+            <a:endParaRPr lang="en-US" altLang="zh-TW" dirty="0"/>
+          </a:p>
+          <a:p>
+            <a:r>
+              <a:rPr lang="en-US" altLang="zh-TW" dirty="0">
+                <a:sym typeface="Wingdings" panose="05000000000000000000" pitchFamily="2" charset="2"/>
+              </a:rPr>
+              <a:t></a:t>
+            </a:r>
+            <a:r>
+              <a:rPr lang="en-US" altLang="zh-TW" dirty="0"/>
+              <a:t>from </a:t>
+            </a:r>
+            <a:r>
+              <a:rPr lang="en-US" altLang="zh-TW" dirty="0" err="1"/>
+              <a:t>tensorflow.keras.models</a:t>
+            </a:r>
+            <a:r>
+              <a:rPr lang="en-US" altLang="zh-TW" dirty="0"/>
+              <a:t> import </a:t>
+            </a:r>
+            <a:r>
+              <a:rPr lang="en-US" altLang="zh-TW" dirty="0" err="1"/>
+              <a:t>load_model</a:t>
+            </a:r>
+            <a:endParaRPr lang="en-US" altLang="zh-TW" dirty="0"/>
+          </a:p>
+        </p:txBody>
+      </p:sp>
+    </p:spTree>
+    <p:extLst>
+      <p:ext uri="{BB962C8B-B14F-4D97-AF65-F5344CB8AC3E}">
+        <p14:creationId xmlns:p14="http://schemas.microsoft.com/office/powerpoint/2010/main" val="2331523430"/>
       </p:ext>
     </p:extLst>
   </p:cSld>
@@ -21736,7 +22766,7 @@
                   <a:ea typeface="標楷體" panose="03000509000000000000" pitchFamily="65" charset="-120"/>
                   <a:cs typeface="Times New Roman" panose="02020603050405020304" pitchFamily="18" charset="0"/>
                 </a:rPr>
-                <a:t>realtimeRecognizeGoogle.py</a:t>
+                <a:t>realtime_recognize_google.py</a:t>
               </a:r>
               <a:endParaRPr lang="zh-TW" altLang="en-US" sz="2400" dirty="0">
                 <a:solidFill>
@@ -22905,6 +23935,634 @@
           <a:chExt cx="0" cy="0"/>
         </a:xfrm>
       </p:grpSpPr>
+      <p:cxnSp>
+        <p:nvCxnSpPr>
+          <p:cNvPr id="2" name="直線接點 1">
+            <a:extLst>
+              <a:ext uri="{FF2B5EF4-FFF2-40B4-BE49-F238E27FC236}">
+                <a16:creationId xmlns:a16="http://schemas.microsoft.com/office/drawing/2014/main" id="{B03C43FA-FC93-758F-5234-34DAE55B7F8F}"/>
+              </a:ext>
+            </a:extLst>
+          </p:cNvPr>
+          <p:cNvCxnSpPr>
+            <a:cxnSpLocks/>
+          </p:cNvCxnSpPr>
+          <p:nvPr/>
+        </p:nvCxnSpPr>
+        <p:spPr>
+          <a:xfrm>
+            <a:off x="1530724" y="0"/>
+            <a:ext cx="0" cy="5904478"/>
+          </a:xfrm>
+          <a:prstGeom prst="line">
+            <a:avLst/>
+          </a:prstGeom>
+          <a:ln w="19050"/>
+        </p:spPr>
+        <p:style>
+          <a:lnRef idx="1">
+            <a:schemeClr val="dk1"/>
+          </a:lnRef>
+          <a:fillRef idx="0">
+            <a:schemeClr val="dk1"/>
+          </a:fillRef>
+          <a:effectRef idx="0">
+            <a:schemeClr val="dk1"/>
+          </a:effectRef>
+          <a:fontRef idx="minor">
+            <a:schemeClr val="tx1"/>
+          </a:fontRef>
+        </p:style>
+      </p:cxnSp>
+      <p:grpSp>
+        <p:nvGrpSpPr>
+          <p:cNvPr id="41" name="群組 40">
+            <a:extLst>
+              <a:ext uri="{FF2B5EF4-FFF2-40B4-BE49-F238E27FC236}">
+                <a16:creationId xmlns:a16="http://schemas.microsoft.com/office/drawing/2014/main" id="{DE47EB3B-FF3D-C0E4-844C-FB861984B486}"/>
+              </a:ext>
+            </a:extLst>
+          </p:cNvPr>
+          <p:cNvGrpSpPr/>
+          <p:nvPr/>
+        </p:nvGrpSpPr>
+        <p:grpSpPr>
+          <a:xfrm>
+            <a:off x="1549012" y="353501"/>
+            <a:ext cx="1446224" cy="461665"/>
+            <a:chOff x="2026024" y="888060"/>
+            <a:chExt cx="1446224" cy="461665"/>
+          </a:xfrm>
+        </p:grpSpPr>
+        <p:cxnSp>
+          <p:nvCxnSpPr>
+            <p:cNvPr id="42" name="直線接點 41">
+              <a:extLst>
+                <a:ext uri="{FF2B5EF4-FFF2-40B4-BE49-F238E27FC236}">
+                  <a16:creationId xmlns:a16="http://schemas.microsoft.com/office/drawing/2014/main" id="{BC7DA4DB-2A3F-12B1-7C91-3A45F7D0CE58}"/>
+                </a:ext>
+              </a:extLst>
+            </p:cNvPr>
+            <p:cNvCxnSpPr>
+              <a:cxnSpLocks/>
+            </p:cNvCxnSpPr>
+            <p:nvPr/>
+          </p:nvCxnSpPr>
+          <p:spPr>
+            <a:xfrm>
+              <a:off x="2026024" y="1118893"/>
+              <a:ext cx="309403" cy="0"/>
+            </a:xfrm>
+            <a:prstGeom prst="line">
+              <a:avLst/>
+            </a:prstGeom>
+            <a:ln w="19050"/>
+          </p:spPr>
+          <p:style>
+            <a:lnRef idx="1">
+              <a:schemeClr val="dk1"/>
+            </a:lnRef>
+            <a:fillRef idx="0">
+              <a:schemeClr val="dk1"/>
+            </a:fillRef>
+            <a:effectRef idx="0">
+              <a:schemeClr val="dk1"/>
+            </a:effectRef>
+            <a:fontRef idx="minor">
+              <a:schemeClr val="tx1"/>
+            </a:fontRef>
+          </p:style>
+        </p:cxnSp>
+        <p:sp>
+          <p:nvSpPr>
+            <p:cNvPr id="43" name="文字方塊 42">
+              <a:extLst>
+                <a:ext uri="{FF2B5EF4-FFF2-40B4-BE49-F238E27FC236}">
+                  <a16:creationId xmlns:a16="http://schemas.microsoft.com/office/drawing/2014/main" id="{AF353F2C-9A4C-C39D-5521-2E5FB3537258}"/>
+                </a:ext>
+              </a:extLst>
+            </p:cNvPr>
+            <p:cNvSpPr txBox="1"/>
+            <p:nvPr/>
+          </p:nvSpPr>
+          <p:spPr>
+            <a:xfrm>
+              <a:off x="2431132" y="888060"/>
+              <a:ext cx="1041116" cy="461665"/>
+            </a:xfrm>
+            <a:prstGeom prst="rect">
+              <a:avLst/>
+            </a:prstGeom>
+            <a:noFill/>
+          </p:spPr>
+          <p:txBody>
+            <a:bodyPr wrap="square" rtlCol="0">
+              <a:spAutoFit/>
+            </a:bodyPr>
+            <a:lstStyle/>
+            <a:p>
+              <a:r>
+                <a:rPr lang="en-US" altLang="zh-TW" sz="2400" dirty="0">
+                  <a:latin typeface="Times New Roman" panose="02020603050405020304" pitchFamily="18" charset="0"/>
+                  <a:ea typeface="標楷體" panose="03000509000000000000" pitchFamily="65" charset="-120"/>
+                  <a:cs typeface="Times New Roman" panose="02020603050405020304" pitchFamily="18" charset="0"/>
+                </a:rPr>
+                <a:t>web</a:t>
+              </a:r>
+              <a:endParaRPr lang="zh-TW" altLang="en-US" sz="2400" dirty="0">
+                <a:latin typeface="Times New Roman" panose="02020603050405020304" pitchFamily="18" charset="0"/>
+                <a:ea typeface="標楷體" panose="03000509000000000000" pitchFamily="65" charset="-120"/>
+                <a:cs typeface="Times New Roman" panose="02020603050405020304" pitchFamily="18" charset="0"/>
+              </a:endParaRPr>
+            </a:p>
+          </p:txBody>
+        </p:sp>
+      </p:grpSp>
+      <p:cxnSp>
+        <p:nvCxnSpPr>
+          <p:cNvPr id="44" name="直線接點 43">
+            <a:extLst>
+              <a:ext uri="{FF2B5EF4-FFF2-40B4-BE49-F238E27FC236}">
+                <a16:creationId xmlns:a16="http://schemas.microsoft.com/office/drawing/2014/main" id="{C9F83F12-A468-A9D5-BE8C-AF3212C64D79}"/>
+              </a:ext>
+            </a:extLst>
+          </p:cNvPr>
+          <p:cNvCxnSpPr>
+            <a:cxnSpLocks/>
+          </p:cNvCxnSpPr>
+          <p:nvPr/>
+        </p:nvCxnSpPr>
+        <p:spPr>
+          <a:xfrm>
+            <a:off x="2802459" y="695862"/>
+            <a:ext cx="0" cy="1899659"/>
+          </a:xfrm>
+          <a:prstGeom prst="line">
+            <a:avLst/>
+          </a:prstGeom>
+          <a:ln w="19050"/>
+        </p:spPr>
+        <p:style>
+          <a:lnRef idx="1">
+            <a:schemeClr val="dk1"/>
+          </a:lnRef>
+          <a:fillRef idx="0">
+            <a:schemeClr val="dk1"/>
+          </a:fillRef>
+          <a:effectRef idx="0">
+            <a:schemeClr val="dk1"/>
+          </a:effectRef>
+          <a:fontRef idx="minor">
+            <a:schemeClr val="tx1"/>
+          </a:fontRef>
+        </p:style>
+      </p:cxnSp>
+      <p:grpSp>
+        <p:nvGrpSpPr>
+          <p:cNvPr id="32" name="群組 31">
+            <a:extLst>
+              <a:ext uri="{FF2B5EF4-FFF2-40B4-BE49-F238E27FC236}">
+                <a16:creationId xmlns:a16="http://schemas.microsoft.com/office/drawing/2014/main" id="{4B938E40-4F72-5953-6D24-D3C272B4E2A9}"/>
+              </a:ext>
+            </a:extLst>
+          </p:cNvPr>
+          <p:cNvGrpSpPr/>
+          <p:nvPr/>
+        </p:nvGrpSpPr>
+        <p:grpSpPr>
+          <a:xfrm>
+            <a:off x="2802459" y="465030"/>
+            <a:ext cx="1902544" cy="461665"/>
+            <a:chOff x="2026024" y="888061"/>
+            <a:chExt cx="1902544" cy="461665"/>
+          </a:xfrm>
+        </p:grpSpPr>
+        <p:cxnSp>
+          <p:nvCxnSpPr>
+            <p:cNvPr id="33" name="直線接點 32">
+              <a:extLst>
+                <a:ext uri="{FF2B5EF4-FFF2-40B4-BE49-F238E27FC236}">
+                  <a16:creationId xmlns:a16="http://schemas.microsoft.com/office/drawing/2014/main" id="{3600DD75-A40C-DAD3-A800-9F170C456683}"/>
+                </a:ext>
+              </a:extLst>
+            </p:cNvPr>
+            <p:cNvCxnSpPr>
+              <a:cxnSpLocks/>
+            </p:cNvCxnSpPr>
+            <p:nvPr/>
+          </p:nvCxnSpPr>
+          <p:spPr>
+            <a:xfrm>
+              <a:off x="2026024" y="1118893"/>
+              <a:ext cx="309403" cy="0"/>
+            </a:xfrm>
+            <a:prstGeom prst="line">
+              <a:avLst/>
+            </a:prstGeom>
+            <a:ln w="19050"/>
+          </p:spPr>
+          <p:style>
+            <a:lnRef idx="1">
+              <a:schemeClr val="dk1"/>
+            </a:lnRef>
+            <a:fillRef idx="0">
+              <a:schemeClr val="dk1"/>
+            </a:fillRef>
+            <a:effectRef idx="0">
+              <a:schemeClr val="dk1"/>
+            </a:effectRef>
+            <a:fontRef idx="minor">
+              <a:schemeClr val="tx1"/>
+            </a:fontRef>
+          </p:style>
+        </p:cxnSp>
+        <p:sp>
+          <p:nvSpPr>
+            <p:cNvPr id="34" name="文字方塊 33">
+              <a:extLst>
+                <a:ext uri="{FF2B5EF4-FFF2-40B4-BE49-F238E27FC236}">
+                  <a16:creationId xmlns:a16="http://schemas.microsoft.com/office/drawing/2014/main" id="{5AF8A991-494B-A29B-48CD-98E8D4687712}"/>
+                </a:ext>
+              </a:extLst>
+            </p:cNvPr>
+            <p:cNvSpPr txBox="1"/>
+            <p:nvPr/>
+          </p:nvSpPr>
+          <p:spPr>
+            <a:xfrm>
+              <a:off x="2431131" y="888061"/>
+              <a:ext cx="1497437" cy="461665"/>
+            </a:xfrm>
+            <a:prstGeom prst="rect">
+              <a:avLst/>
+            </a:prstGeom>
+            <a:noFill/>
+          </p:spPr>
+          <p:txBody>
+            <a:bodyPr wrap="square" rtlCol="0">
+              <a:spAutoFit/>
+            </a:bodyPr>
+            <a:lstStyle/>
+            <a:p>
+              <a:r>
+                <a:rPr lang="en-US" altLang="zh-TW" sz="2400" dirty="0">
+                  <a:latin typeface="Times New Roman" panose="02020603050405020304" pitchFamily="18" charset="0"/>
+                  <a:ea typeface="標楷體" panose="03000509000000000000" pitchFamily="65" charset="-120"/>
+                  <a:cs typeface="Times New Roman" panose="02020603050405020304" pitchFamily="18" charset="0"/>
+                </a:rPr>
+                <a:t>bootstrap</a:t>
+              </a:r>
+              <a:endParaRPr lang="zh-TW" altLang="en-US" sz="2400" dirty="0">
+                <a:latin typeface="Times New Roman" panose="02020603050405020304" pitchFamily="18" charset="0"/>
+                <a:ea typeface="標楷體" panose="03000509000000000000" pitchFamily="65" charset="-120"/>
+                <a:cs typeface="Times New Roman" panose="02020603050405020304" pitchFamily="18" charset="0"/>
+              </a:endParaRPr>
+            </a:p>
+          </p:txBody>
+        </p:sp>
+      </p:grpSp>
+      <p:grpSp>
+        <p:nvGrpSpPr>
+          <p:cNvPr id="35" name="群組 34">
+            <a:extLst>
+              <a:ext uri="{FF2B5EF4-FFF2-40B4-BE49-F238E27FC236}">
+                <a16:creationId xmlns:a16="http://schemas.microsoft.com/office/drawing/2014/main" id="{067F27B2-48F6-2F47-48F3-5238D3FA189B}"/>
+              </a:ext>
+            </a:extLst>
+          </p:cNvPr>
+          <p:cNvGrpSpPr/>
+          <p:nvPr/>
+        </p:nvGrpSpPr>
+        <p:grpSpPr>
+          <a:xfrm>
+            <a:off x="2802459" y="926695"/>
+            <a:ext cx="1902544" cy="461665"/>
+            <a:chOff x="2026024" y="888061"/>
+            <a:chExt cx="1902544" cy="461665"/>
+          </a:xfrm>
+        </p:grpSpPr>
+        <p:cxnSp>
+          <p:nvCxnSpPr>
+            <p:cNvPr id="36" name="直線接點 35">
+              <a:extLst>
+                <a:ext uri="{FF2B5EF4-FFF2-40B4-BE49-F238E27FC236}">
+                  <a16:creationId xmlns:a16="http://schemas.microsoft.com/office/drawing/2014/main" id="{C964AD70-4B9C-DD00-6E0D-7E9ECCA1CBA6}"/>
+                </a:ext>
+              </a:extLst>
+            </p:cNvPr>
+            <p:cNvCxnSpPr>
+              <a:cxnSpLocks/>
+            </p:cNvCxnSpPr>
+            <p:nvPr/>
+          </p:nvCxnSpPr>
+          <p:spPr>
+            <a:xfrm>
+              <a:off x="2026024" y="1118893"/>
+              <a:ext cx="309403" cy="0"/>
+            </a:xfrm>
+            <a:prstGeom prst="line">
+              <a:avLst/>
+            </a:prstGeom>
+            <a:ln w="19050"/>
+          </p:spPr>
+          <p:style>
+            <a:lnRef idx="1">
+              <a:schemeClr val="dk1"/>
+            </a:lnRef>
+            <a:fillRef idx="0">
+              <a:schemeClr val="dk1"/>
+            </a:fillRef>
+            <a:effectRef idx="0">
+              <a:schemeClr val="dk1"/>
+            </a:effectRef>
+            <a:fontRef idx="minor">
+              <a:schemeClr val="tx1"/>
+            </a:fontRef>
+          </p:style>
+        </p:cxnSp>
+        <p:sp>
+          <p:nvSpPr>
+            <p:cNvPr id="37" name="文字方塊 36">
+              <a:extLst>
+                <a:ext uri="{FF2B5EF4-FFF2-40B4-BE49-F238E27FC236}">
+                  <a16:creationId xmlns:a16="http://schemas.microsoft.com/office/drawing/2014/main" id="{5FA8A28A-C84D-7D37-6FF9-DF27AF6329C6}"/>
+                </a:ext>
+              </a:extLst>
+            </p:cNvPr>
+            <p:cNvSpPr txBox="1"/>
+            <p:nvPr/>
+          </p:nvSpPr>
+          <p:spPr>
+            <a:xfrm>
+              <a:off x="2431131" y="888061"/>
+              <a:ext cx="1497437" cy="461665"/>
+            </a:xfrm>
+            <a:prstGeom prst="rect">
+              <a:avLst/>
+            </a:prstGeom>
+            <a:noFill/>
+          </p:spPr>
+          <p:txBody>
+            <a:bodyPr wrap="square" rtlCol="0">
+              <a:spAutoFit/>
+            </a:bodyPr>
+            <a:lstStyle/>
+            <a:p>
+              <a:r>
+                <a:rPr lang="en-US" altLang="zh-TW" sz="2400" dirty="0" err="1">
+                  <a:latin typeface="Times New Roman" panose="02020603050405020304" pitchFamily="18" charset="0"/>
+                  <a:ea typeface="標楷體" panose="03000509000000000000" pitchFamily="65" charset="-120"/>
+                  <a:cs typeface="Times New Roman" panose="02020603050405020304" pitchFamily="18" charset="0"/>
+                </a:rPr>
+                <a:t>css</a:t>
+              </a:r>
+              <a:endParaRPr lang="zh-TW" altLang="en-US" sz="2400" dirty="0">
+                <a:latin typeface="Times New Roman" panose="02020603050405020304" pitchFamily="18" charset="0"/>
+                <a:ea typeface="標楷體" panose="03000509000000000000" pitchFamily="65" charset="-120"/>
+                <a:cs typeface="Times New Roman" panose="02020603050405020304" pitchFamily="18" charset="0"/>
+              </a:endParaRPr>
+            </a:p>
+          </p:txBody>
+        </p:sp>
+      </p:grpSp>
+      <p:grpSp>
+        <p:nvGrpSpPr>
+          <p:cNvPr id="38" name="群組 37">
+            <a:extLst>
+              <a:ext uri="{FF2B5EF4-FFF2-40B4-BE49-F238E27FC236}">
+                <a16:creationId xmlns:a16="http://schemas.microsoft.com/office/drawing/2014/main" id="{A93BF211-AC86-0216-5497-0EBCDE7CDB14}"/>
+              </a:ext>
+            </a:extLst>
+          </p:cNvPr>
+          <p:cNvGrpSpPr/>
+          <p:nvPr/>
+        </p:nvGrpSpPr>
+        <p:grpSpPr>
+          <a:xfrm>
+            <a:off x="2802459" y="1364754"/>
+            <a:ext cx="1902544" cy="461665"/>
+            <a:chOff x="2026024" y="888061"/>
+            <a:chExt cx="1902544" cy="461665"/>
+          </a:xfrm>
+        </p:grpSpPr>
+        <p:cxnSp>
+          <p:nvCxnSpPr>
+            <p:cNvPr id="39" name="直線接點 38">
+              <a:extLst>
+                <a:ext uri="{FF2B5EF4-FFF2-40B4-BE49-F238E27FC236}">
+                  <a16:creationId xmlns:a16="http://schemas.microsoft.com/office/drawing/2014/main" id="{F4C81B47-7638-20F6-FD4F-1C33A0F41DC3}"/>
+                </a:ext>
+              </a:extLst>
+            </p:cNvPr>
+            <p:cNvCxnSpPr>
+              <a:cxnSpLocks/>
+            </p:cNvCxnSpPr>
+            <p:nvPr/>
+          </p:nvCxnSpPr>
+          <p:spPr>
+            <a:xfrm>
+              <a:off x="2026024" y="1118893"/>
+              <a:ext cx="309403" cy="0"/>
+            </a:xfrm>
+            <a:prstGeom prst="line">
+              <a:avLst/>
+            </a:prstGeom>
+            <a:ln w="19050"/>
+          </p:spPr>
+          <p:style>
+            <a:lnRef idx="1">
+              <a:schemeClr val="dk1"/>
+            </a:lnRef>
+            <a:fillRef idx="0">
+              <a:schemeClr val="dk1"/>
+            </a:fillRef>
+            <a:effectRef idx="0">
+              <a:schemeClr val="dk1"/>
+            </a:effectRef>
+            <a:fontRef idx="minor">
+              <a:schemeClr val="tx1"/>
+            </a:fontRef>
+          </p:style>
+        </p:cxnSp>
+        <p:sp>
+          <p:nvSpPr>
+            <p:cNvPr id="40" name="文字方塊 39">
+              <a:extLst>
+                <a:ext uri="{FF2B5EF4-FFF2-40B4-BE49-F238E27FC236}">
+                  <a16:creationId xmlns:a16="http://schemas.microsoft.com/office/drawing/2014/main" id="{99900AB4-BA91-CA6E-CA4E-EE89BB9AB15F}"/>
+                </a:ext>
+              </a:extLst>
+            </p:cNvPr>
+            <p:cNvSpPr txBox="1"/>
+            <p:nvPr/>
+          </p:nvSpPr>
+          <p:spPr>
+            <a:xfrm>
+              <a:off x="2431131" y="888061"/>
+              <a:ext cx="1497437" cy="461665"/>
+            </a:xfrm>
+            <a:prstGeom prst="rect">
+              <a:avLst/>
+            </a:prstGeom>
+            <a:noFill/>
+          </p:spPr>
+          <p:txBody>
+            <a:bodyPr wrap="square" rtlCol="0">
+              <a:spAutoFit/>
+            </a:bodyPr>
+            <a:lstStyle/>
+            <a:p>
+              <a:r>
+                <a:rPr lang="en-US" altLang="zh-TW" sz="2400" dirty="0" err="1">
+                  <a:latin typeface="Times New Roman" panose="02020603050405020304" pitchFamily="18" charset="0"/>
+                  <a:ea typeface="標楷體" panose="03000509000000000000" pitchFamily="65" charset="-120"/>
+                  <a:cs typeface="Times New Roman" panose="02020603050405020304" pitchFamily="18" charset="0"/>
+                </a:rPr>
+                <a:t>img</a:t>
+              </a:r>
+              <a:endParaRPr lang="zh-TW" altLang="en-US" sz="2400" dirty="0">
+                <a:latin typeface="Times New Roman" panose="02020603050405020304" pitchFamily="18" charset="0"/>
+                <a:ea typeface="標楷體" panose="03000509000000000000" pitchFamily="65" charset="-120"/>
+                <a:cs typeface="Times New Roman" panose="02020603050405020304" pitchFamily="18" charset="0"/>
+              </a:endParaRPr>
+            </a:p>
+          </p:txBody>
+        </p:sp>
+      </p:grpSp>
+      <p:grpSp>
+        <p:nvGrpSpPr>
+          <p:cNvPr id="61" name="群組 60">
+            <a:extLst>
+              <a:ext uri="{FF2B5EF4-FFF2-40B4-BE49-F238E27FC236}">
+                <a16:creationId xmlns:a16="http://schemas.microsoft.com/office/drawing/2014/main" id="{40CA3705-65E7-74CA-E3CD-EA7FF5AF6F71}"/>
+              </a:ext>
+            </a:extLst>
+          </p:cNvPr>
+          <p:cNvGrpSpPr/>
+          <p:nvPr/>
+        </p:nvGrpSpPr>
+        <p:grpSpPr>
+          <a:xfrm>
+            <a:off x="2802459" y="1850024"/>
+            <a:ext cx="1902544" cy="461665"/>
+            <a:chOff x="2026024" y="888061"/>
+            <a:chExt cx="1902544" cy="461665"/>
+          </a:xfrm>
+        </p:grpSpPr>
+        <p:cxnSp>
+          <p:nvCxnSpPr>
+            <p:cNvPr id="62" name="直線接點 61">
+              <a:extLst>
+                <a:ext uri="{FF2B5EF4-FFF2-40B4-BE49-F238E27FC236}">
+                  <a16:creationId xmlns:a16="http://schemas.microsoft.com/office/drawing/2014/main" id="{23E521BC-B5FF-9780-C9A8-8B8993D2DC22}"/>
+                </a:ext>
+              </a:extLst>
+            </p:cNvPr>
+            <p:cNvCxnSpPr>
+              <a:cxnSpLocks/>
+            </p:cNvCxnSpPr>
+            <p:nvPr/>
+          </p:nvCxnSpPr>
+          <p:spPr>
+            <a:xfrm>
+              <a:off x="2026024" y="1118893"/>
+              <a:ext cx="309403" cy="0"/>
+            </a:xfrm>
+            <a:prstGeom prst="line">
+              <a:avLst/>
+            </a:prstGeom>
+            <a:ln w="19050"/>
+          </p:spPr>
+          <p:style>
+            <a:lnRef idx="1">
+              <a:schemeClr val="dk1"/>
+            </a:lnRef>
+            <a:fillRef idx="0">
+              <a:schemeClr val="dk1"/>
+            </a:fillRef>
+            <a:effectRef idx="0">
+              <a:schemeClr val="dk1"/>
+            </a:effectRef>
+            <a:fontRef idx="minor">
+              <a:schemeClr val="tx1"/>
+            </a:fontRef>
+          </p:style>
+        </p:cxnSp>
+        <p:sp>
+          <p:nvSpPr>
+            <p:cNvPr id="63" name="文字方塊 62">
+              <a:extLst>
+                <a:ext uri="{FF2B5EF4-FFF2-40B4-BE49-F238E27FC236}">
+                  <a16:creationId xmlns:a16="http://schemas.microsoft.com/office/drawing/2014/main" id="{12DC3D29-BD78-F3FE-CC63-C4EDC0FC42A1}"/>
+                </a:ext>
+              </a:extLst>
+            </p:cNvPr>
+            <p:cNvSpPr txBox="1"/>
+            <p:nvPr/>
+          </p:nvSpPr>
+          <p:spPr>
+            <a:xfrm>
+              <a:off x="2431131" y="888061"/>
+              <a:ext cx="1497437" cy="461665"/>
+            </a:xfrm>
+            <a:prstGeom prst="rect">
+              <a:avLst/>
+            </a:prstGeom>
+            <a:noFill/>
+          </p:spPr>
+          <p:txBody>
+            <a:bodyPr wrap="square" rtlCol="0">
+              <a:spAutoFit/>
+            </a:bodyPr>
+            <a:lstStyle/>
+            <a:p>
+              <a:r>
+                <a:rPr lang="en-US" altLang="zh-TW" sz="2400" dirty="0" err="1">
+                  <a:latin typeface="Times New Roman" panose="02020603050405020304" pitchFamily="18" charset="0"/>
+                  <a:ea typeface="標楷體" panose="03000509000000000000" pitchFamily="65" charset="-120"/>
+                  <a:cs typeface="Times New Roman" panose="02020603050405020304" pitchFamily="18" charset="0"/>
+                </a:rPr>
+                <a:t>js</a:t>
+              </a:r>
+              <a:endParaRPr lang="zh-TW" altLang="en-US" sz="2400" dirty="0">
+                <a:latin typeface="Times New Roman" panose="02020603050405020304" pitchFamily="18" charset="0"/>
+                <a:ea typeface="標楷體" panose="03000509000000000000" pitchFamily="65" charset="-120"/>
+                <a:cs typeface="Times New Roman" panose="02020603050405020304" pitchFamily="18" charset="0"/>
+              </a:endParaRPr>
+            </a:p>
+          </p:txBody>
+        </p:sp>
+      </p:grpSp>
+    </p:spTree>
+    <p:extLst>
+      <p:ext uri="{BB962C8B-B14F-4D97-AF65-F5344CB8AC3E}">
+        <p14:creationId xmlns:p14="http://schemas.microsoft.com/office/powerpoint/2010/main" val="1707219200"/>
+      </p:ext>
+    </p:extLst>
+  </p:cSld>
+  <p:clrMapOvr>
+    <a:masterClrMapping/>
+  </p:clrMapOvr>
+</p:sld>
+</file>
+
+<file path=ppt/slides/slide8.xml><?xml version="1.0" encoding="utf-8"?>
+<p:sld xmlns:a="http://schemas.openxmlformats.org/drawingml/2006/main" xmlns:r="http://schemas.openxmlformats.org/officeDocument/2006/relationships" xmlns:p="http://schemas.openxmlformats.org/presentationml/2006/main">
+  <p:cSld>
+    <p:spTree>
+      <p:nvGrpSpPr>
+        <p:cNvPr id="1" name=""/>
+        <p:cNvGrpSpPr/>
+        <p:nvPr/>
+      </p:nvGrpSpPr>
+      <p:grpSpPr>
+        <a:xfrm>
+          <a:off x="0" y="0"/>
+          <a:ext cx="0" cy="0"/>
+          <a:chOff x="0" y="0"/>
+          <a:chExt cx="0" cy="0"/>
+        </a:xfrm>
+      </p:grpSpPr>
       <p:sp>
         <p:nvSpPr>
           <p:cNvPr id="4" name="文字方塊 3">
@@ -24793,7 +26451,7 @@
 </p:sld>
 </file>
 
-<file path=ppt/slides/slide8.xml><?xml version="1.0" encoding="utf-8"?>
+<file path=ppt/slides/slide9.xml><?xml version="1.0" encoding="utf-8"?>
 <p:sld xmlns:a="http://schemas.openxmlformats.org/drawingml/2006/main" xmlns:r="http://schemas.openxmlformats.org/officeDocument/2006/relationships" xmlns:p="http://schemas.openxmlformats.org/presentationml/2006/main">
   <p:cSld>
     <p:spTree>
@@ -24981,7 +26639,7 @@
         <p:spPr>
           <a:xfrm>
             <a:off x="6471307" y="916722"/>
-            <a:ext cx="3770594" cy="461665"/>
+            <a:ext cx="4119108" cy="461665"/>
           </a:xfrm>
           <a:prstGeom prst="rect">
             <a:avLst/>
@@ -25008,7 +26666,7 @@
                 <a:ea typeface="標楷體" panose="03000509000000000000" pitchFamily="65" charset="-120"/>
                 <a:cs typeface="Times New Roman" panose="02020603050405020304" pitchFamily="18" charset="0"/>
               </a:rPr>
-              <a:t>realtimeRecognizeGoogle.py</a:t>
+              <a:t>realtime_recognize_google.py</a:t>
             </a:r>
             <a:endParaRPr lang="zh-TW" altLang="en-US" sz="2400" dirty="0">
               <a:solidFill>
@@ -25038,9 +26696,9 @@
           <p:nvPr/>
         </p:nvCxnSpPr>
         <p:spPr>
-          <a:xfrm>
+          <a:xfrm flipH="1">
             <a:off x="8356604" y="1378387"/>
-            <a:ext cx="0" cy="586331"/>
+            <a:ext cx="174257" cy="586331"/>
           </a:xfrm>
           <a:prstGeom prst="straightConnector1">
             <a:avLst/>
@@ -25272,1035 +26930,6 @@
     <p:extLst>
       <p:ext uri="{BB962C8B-B14F-4D97-AF65-F5344CB8AC3E}">
         <p14:creationId xmlns:p14="http://schemas.microsoft.com/office/powerpoint/2010/main" val="2777514962"/>
-      </p:ext>
-    </p:extLst>
-  </p:cSld>
-  <p:clrMapOvr>
-    <a:masterClrMapping/>
-  </p:clrMapOvr>
-</p:sld>
-</file>
-
-<file path=ppt/slides/slide9.xml><?xml version="1.0" encoding="utf-8"?>
-<p:sld xmlns:a="http://schemas.openxmlformats.org/drawingml/2006/main" xmlns:r="http://schemas.openxmlformats.org/officeDocument/2006/relationships" xmlns:p="http://schemas.openxmlformats.org/presentationml/2006/main">
-  <p:cSld>
-    <p:spTree>
-      <p:nvGrpSpPr>
-        <p:cNvPr id="1" name=""/>
-        <p:cNvGrpSpPr/>
-        <p:nvPr/>
-      </p:nvGrpSpPr>
-      <p:grpSpPr>
-        <a:xfrm>
-          <a:off x="0" y="0"/>
-          <a:ext cx="0" cy="0"/>
-          <a:chOff x="0" y="0"/>
-          <a:chExt cx="0" cy="0"/>
-        </a:xfrm>
-      </p:grpSpPr>
-      <p:sp>
-        <p:nvSpPr>
-          <p:cNvPr id="2" name="文字方塊 1">
-            <a:extLst>
-              <a:ext uri="{FF2B5EF4-FFF2-40B4-BE49-F238E27FC236}">
-                <a16:creationId xmlns:a16="http://schemas.microsoft.com/office/drawing/2014/main" id="{46E6DA1A-1688-1CAD-C70D-DD9C4E32A82B}"/>
-              </a:ext>
-            </a:extLst>
-          </p:cNvPr>
-          <p:cNvSpPr txBox="1"/>
-          <p:nvPr/>
-        </p:nvSpPr>
-        <p:spPr>
-          <a:xfrm>
-            <a:off x="151495" y="206931"/>
-            <a:ext cx="4272224" cy="461665"/>
-          </a:xfrm>
-          <a:prstGeom prst="rect">
-            <a:avLst/>
-          </a:prstGeom>
-          <a:noFill/>
-          <a:ln w="19050">
-            <a:solidFill>
-              <a:schemeClr val="tx1"/>
-            </a:solidFill>
-          </a:ln>
-        </p:spPr>
-        <p:txBody>
-          <a:bodyPr wrap="square" rtlCol="0">
-            <a:spAutoFit/>
-          </a:bodyPr>
-          <a:lstStyle/>
-          <a:p>
-            <a:r>
-              <a:rPr lang="zh-TW" altLang="en-US" sz="2400" b="1" dirty="0">
-                <a:solidFill>
-                  <a:srgbClr val="FF0000"/>
-                </a:solidFill>
-                <a:latin typeface="Times New Roman" panose="02020603050405020304" pitchFamily="18" charset="0"/>
-                <a:ea typeface="標楷體" panose="03000509000000000000" pitchFamily="65" charset="-120"/>
-                <a:cs typeface="Times New Roman" panose="02020603050405020304" pitchFamily="18" charset="0"/>
-              </a:rPr>
-              <a:t>蒐集資料庫並記錄標籤與片段</a:t>
-            </a:r>
-          </a:p>
-        </p:txBody>
-      </p:sp>
-      <p:sp>
-        <p:nvSpPr>
-          <p:cNvPr id="3" name="文字方塊 2">
-            <a:extLst>
-              <a:ext uri="{FF2B5EF4-FFF2-40B4-BE49-F238E27FC236}">
-                <a16:creationId xmlns:a16="http://schemas.microsoft.com/office/drawing/2014/main" id="{26121BDE-5E78-0416-686B-7BEE8E47E696}"/>
-              </a:ext>
-            </a:extLst>
-          </p:cNvPr>
-          <p:cNvSpPr txBox="1"/>
-          <p:nvPr/>
-        </p:nvSpPr>
-        <p:spPr>
-          <a:xfrm>
-            <a:off x="94602" y="1581372"/>
-            <a:ext cx="894710" cy="461665"/>
-          </a:xfrm>
-          <a:prstGeom prst="rect">
-            <a:avLst/>
-          </a:prstGeom>
-          <a:noFill/>
-          <a:ln w="19050">
-            <a:solidFill>
-              <a:schemeClr val="tx1"/>
-            </a:solidFill>
-          </a:ln>
-        </p:spPr>
-        <p:txBody>
-          <a:bodyPr wrap="square" rtlCol="0">
-            <a:spAutoFit/>
-          </a:bodyPr>
-          <a:lstStyle/>
-          <a:p>
-            <a:r>
-              <a:rPr lang="en-US" altLang="zh-TW" sz="2400" dirty="0">
-                <a:latin typeface="Times New Roman" panose="02020603050405020304" pitchFamily="18" charset="0"/>
-                <a:ea typeface="標楷體" panose="03000509000000000000" pitchFamily="65" charset="-120"/>
-                <a:cs typeface="Times New Roman" panose="02020603050405020304" pitchFamily="18" charset="0"/>
-              </a:rPr>
-              <a:t>video</a:t>
-            </a:r>
-            <a:endParaRPr lang="zh-TW" altLang="en-US" sz="2400" dirty="0">
-              <a:latin typeface="Times New Roman" panose="02020603050405020304" pitchFamily="18" charset="0"/>
-              <a:ea typeface="標楷體" panose="03000509000000000000" pitchFamily="65" charset="-120"/>
-              <a:cs typeface="Times New Roman" panose="02020603050405020304" pitchFamily="18" charset="0"/>
-            </a:endParaRPr>
-          </a:p>
-        </p:txBody>
-      </p:sp>
-      <p:cxnSp>
-        <p:nvCxnSpPr>
-          <p:cNvPr id="5" name="直線單箭頭接點 4">
-            <a:extLst>
-              <a:ext uri="{FF2B5EF4-FFF2-40B4-BE49-F238E27FC236}">
-                <a16:creationId xmlns:a16="http://schemas.microsoft.com/office/drawing/2014/main" id="{2E62B264-EB47-9C12-1AE3-573B065B7227}"/>
-              </a:ext>
-            </a:extLst>
-          </p:cNvPr>
-          <p:cNvCxnSpPr>
-            <a:cxnSpLocks/>
-            <a:stCxn id="3" idx="3"/>
-            <a:endCxn id="4" idx="1"/>
-          </p:cNvCxnSpPr>
-          <p:nvPr/>
-        </p:nvCxnSpPr>
-        <p:spPr>
-          <a:xfrm>
-            <a:off x="989312" y="1812205"/>
-            <a:ext cx="508159" cy="1"/>
-          </a:xfrm>
-          <a:prstGeom prst="straightConnector1">
-            <a:avLst/>
-          </a:prstGeom>
-          <a:ln w="38100">
-            <a:solidFill>
-              <a:schemeClr val="tx1"/>
-            </a:solidFill>
-            <a:tailEnd type="triangle"/>
-          </a:ln>
-        </p:spPr>
-        <p:style>
-          <a:lnRef idx="1">
-            <a:schemeClr val="accent1"/>
-          </a:lnRef>
-          <a:fillRef idx="0">
-            <a:schemeClr val="accent1"/>
-          </a:fillRef>
-          <a:effectRef idx="0">
-            <a:schemeClr val="accent1"/>
-          </a:effectRef>
-          <a:fontRef idx="minor">
-            <a:schemeClr val="tx1"/>
-          </a:fontRef>
-        </p:style>
-      </p:cxnSp>
-      <p:cxnSp>
-        <p:nvCxnSpPr>
-          <p:cNvPr id="12" name="直線單箭頭接點 11">
-            <a:extLst>
-              <a:ext uri="{FF2B5EF4-FFF2-40B4-BE49-F238E27FC236}">
-                <a16:creationId xmlns:a16="http://schemas.microsoft.com/office/drawing/2014/main" id="{3753FFD4-5550-9BAE-ACBF-5E492F4193C3}"/>
-              </a:ext>
-            </a:extLst>
-          </p:cNvPr>
-          <p:cNvCxnSpPr>
-            <a:cxnSpLocks/>
-            <a:stCxn id="4" idx="3"/>
-            <a:endCxn id="11" idx="1"/>
-          </p:cNvCxnSpPr>
-          <p:nvPr/>
-        </p:nvCxnSpPr>
-        <p:spPr>
-          <a:xfrm>
-            <a:off x="3860124" y="1812206"/>
-            <a:ext cx="338078" cy="0"/>
-          </a:xfrm>
-          <a:prstGeom prst="straightConnector1">
-            <a:avLst/>
-          </a:prstGeom>
-          <a:ln w="38100">
-            <a:solidFill>
-              <a:schemeClr val="tx1"/>
-            </a:solidFill>
-            <a:tailEnd type="triangle"/>
-          </a:ln>
-        </p:spPr>
-        <p:style>
-          <a:lnRef idx="1">
-            <a:schemeClr val="accent1"/>
-          </a:lnRef>
-          <a:fillRef idx="0">
-            <a:schemeClr val="accent1"/>
-          </a:fillRef>
-          <a:effectRef idx="0">
-            <a:schemeClr val="accent1"/>
-          </a:effectRef>
-          <a:fontRef idx="minor">
-            <a:schemeClr val="tx1"/>
-          </a:fontRef>
-        </p:style>
-      </p:cxnSp>
-      <p:cxnSp>
-        <p:nvCxnSpPr>
-          <p:cNvPr id="19" name="直線單箭頭接點 18">
-            <a:extLst>
-              <a:ext uri="{FF2B5EF4-FFF2-40B4-BE49-F238E27FC236}">
-                <a16:creationId xmlns:a16="http://schemas.microsoft.com/office/drawing/2014/main" id="{74B8A6B6-2D6A-51FB-52A3-186EB1BC3AE9}"/>
-              </a:ext>
-            </a:extLst>
-          </p:cNvPr>
-          <p:cNvCxnSpPr>
-            <a:cxnSpLocks/>
-            <a:stCxn id="11" idx="3"/>
-            <a:endCxn id="18" idx="1"/>
-          </p:cNvCxnSpPr>
-          <p:nvPr/>
-        </p:nvCxnSpPr>
-        <p:spPr>
-          <a:xfrm>
-            <a:off x="7717367" y="1812206"/>
-            <a:ext cx="647385" cy="2268"/>
-          </a:xfrm>
-          <a:prstGeom prst="straightConnector1">
-            <a:avLst/>
-          </a:prstGeom>
-          <a:ln w="38100">
-            <a:solidFill>
-              <a:schemeClr val="tx1"/>
-            </a:solidFill>
-            <a:tailEnd type="triangle"/>
-          </a:ln>
-        </p:spPr>
-        <p:style>
-          <a:lnRef idx="1">
-            <a:schemeClr val="accent1"/>
-          </a:lnRef>
-          <a:fillRef idx="0">
-            <a:schemeClr val="accent1"/>
-          </a:fillRef>
-          <a:effectRef idx="0">
-            <a:schemeClr val="accent1"/>
-          </a:effectRef>
-          <a:fontRef idx="minor">
-            <a:schemeClr val="tx1"/>
-          </a:fontRef>
-        </p:style>
-      </p:cxnSp>
-      <p:cxnSp>
-        <p:nvCxnSpPr>
-          <p:cNvPr id="33" name="直線單箭頭接點 32">
-            <a:extLst>
-              <a:ext uri="{FF2B5EF4-FFF2-40B4-BE49-F238E27FC236}">
-                <a16:creationId xmlns:a16="http://schemas.microsoft.com/office/drawing/2014/main" id="{BBC24E73-B19D-9092-FDE0-B395FCFAA322}"/>
-              </a:ext>
-            </a:extLst>
-          </p:cNvPr>
-          <p:cNvCxnSpPr>
-            <a:cxnSpLocks/>
-            <a:stCxn id="18" idx="2"/>
-            <a:endCxn id="31" idx="0"/>
-          </p:cNvCxnSpPr>
-          <p:nvPr/>
-        </p:nvCxnSpPr>
-        <p:spPr>
-          <a:xfrm>
-            <a:off x="9783720" y="2229972"/>
-            <a:ext cx="0" cy="1558594"/>
-          </a:xfrm>
-          <a:prstGeom prst="straightConnector1">
-            <a:avLst/>
-          </a:prstGeom>
-          <a:ln w="38100">
-            <a:solidFill>
-              <a:schemeClr val="tx1"/>
-            </a:solidFill>
-            <a:tailEnd type="triangle"/>
-          </a:ln>
-        </p:spPr>
-        <p:style>
-          <a:lnRef idx="1">
-            <a:schemeClr val="accent1"/>
-          </a:lnRef>
-          <a:fillRef idx="0">
-            <a:schemeClr val="accent1"/>
-          </a:fillRef>
-          <a:effectRef idx="0">
-            <a:schemeClr val="accent1"/>
-          </a:effectRef>
-          <a:fontRef idx="minor">
-            <a:schemeClr val="tx1"/>
-          </a:fontRef>
-        </p:style>
-      </p:cxnSp>
-      <p:grpSp>
-        <p:nvGrpSpPr>
-          <p:cNvPr id="65" name="群組 64">
-            <a:extLst>
-              <a:ext uri="{FF2B5EF4-FFF2-40B4-BE49-F238E27FC236}">
-                <a16:creationId xmlns:a16="http://schemas.microsoft.com/office/drawing/2014/main" id="{B12CC59C-05ED-CFE4-F729-C43448517B47}"/>
-              </a:ext>
-            </a:extLst>
-          </p:cNvPr>
-          <p:cNvGrpSpPr/>
-          <p:nvPr/>
-        </p:nvGrpSpPr>
-        <p:grpSpPr>
-          <a:xfrm>
-            <a:off x="8364752" y="1398975"/>
-            <a:ext cx="3547420" cy="1069345"/>
-            <a:chOff x="8307859" y="1892250"/>
-            <a:chExt cx="3547420" cy="1069345"/>
-          </a:xfrm>
-        </p:grpSpPr>
-        <p:sp>
-          <p:nvSpPr>
-            <p:cNvPr id="18" name="文字方塊 17">
-              <a:extLst>
-                <a:ext uri="{FF2B5EF4-FFF2-40B4-BE49-F238E27FC236}">
-                  <a16:creationId xmlns:a16="http://schemas.microsoft.com/office/drawing/2014/main" id="{5D2F3F1D-2A2F-557C-3A0E-A5523A45010E}"/>
-                </a:ext>
-              </a:extLst>
-            </p:cNvPr>
-            <p:cNvSpPr txBox="1"/>
-            <p:nvPr/>
-          </p:nvSpPr>
-          <p:spPr>
-            <a:xfrm>
-              <a:off x="8307859" y="1892250"/>
-              <a:ext cx="2837936" cy="830997"/>
-            </a:xfrm>
-            <a:prstGeom prst="rect">
-              <a:avLst/>
-            </a:prstGeom>
-            <a:noFill/>
-            <a:ln w="19050">
-              <a:solidFill>
-                <a:schemeClr val="tx1"/>
-              </a:solidFill>
-            </a:ln>
-          </p:spPr>
-          <p:txBody>
-            <a:bodyPr wrap="square" rtlCol="0">
-              <a:spAutoFit/>
-            </a:bodyPr>
-            <a:lstStyle/>
-            <a:p>
-              <a:r>
-                <a:rPr lang="en-US" altLang="zh-TW" sz="2400" dirty="0">
-                  <a:latin typeface="Times New Roman" panose="02020603050405020304" pitchFamily="18" charset="0"/>
-                  <a:ea typeface="標楷體" panose="03000509000000000000" pitchFamily="65" charset="-120"/>
-                  <a:cs typeface="Times New Roman" panose="02020603050405020304" pitchFamily="18" charset="0"/>
-                </a:rPr>
-                <a:t>Result</a:t>
-              </a:r>
-              <a:r>
-                <a:rPr lang="zh-TW" altLang="en-US" sz="2400" dirty="0">
-                  <a:latin typeface="Times New Roman" panose="02020603050405020304" pitchFamily="18" charset="0"/>
-                  <a:ea typeface="標楷體" panose="03000509000000000000" pitchFamily="65" charset="-120"/>
-                  <a:cs typeface="Times New Roman" panose="02020603050405020304" pitchFamily="18" charset="0"/>
-                </a:rPr>
-                <a:t>資料夾改動作標籤名稱</a:t>
-              </a:r>
-            </a:p>
-          </p:txBody>
-        </p:sp>
-        <p:pic>
-          <p:nvPicPr>
-            <p:cNvPr id="51" name="圖片 50">
-              <a:extLst>
-                <a:ext uri="{FF2B5EF4-FFF2-40B4-BE49-F238E27FC236}">
-                  <a16:creationId xmlns:a16="http://schemas.microsoft.com/office/drawing/2014/main" id="{D2B46316-DE04-26DC-476C-063F72941BF8}"/>
-                </a:ext>
-              </a:extLst>
-            </p:cNvPr>
-            <p:cNvPicPr>
-              <a:picLocks noChangeAspect="1"/>
-            </p:cNvPicPr>
-            <p:nvPr/>
-          </p:nvPicPr>
-          <p:blipFill rotWithShape="1">
-            <a:blip r:embed="rId2"/>
-            <a:srcRect t="7696"/>
-            <a:stretch/>
-          </p:blipFill>
-          <p:spPr>
-            <a:xfrm>
-              <a:off x="9828747" y="2427148"/>
-              <a:ext cx="2026532" cy="534447"/>
-            </a:xfrm>
-            <a:prstGeom prst="rect">
-              <a:avLst/>
-            </a:prstGeom>
-          </p:spPr>
-        </p:pic>
-      </p:grpSp>
-      <p:grpSp>
-        <p:nvGrpSpPr>
-          <p:cNvPr id="64" name="群組 63">
-            <a:extLst>
-              <a:ext uri="{FF2B5EF4-FFF2-40B4-BE49-F238E27FC236}">
-                <a16:creationId xmlns:a16="http://schemas.microsoft.com/office/drawing/2014/main" id="{EB70B043-5645-F4C1-6418-95A550DBB145}"/>
-              </a:ext>
-            </a:extLst>
-          </p:cNvPr>
-          <p:cNvGrpSpPr/>
-          <p:nvPr/>
-        </p:nvGrpSpPr>
-        <p:grpSpPr>
-          <a:xfrm>
-            <a:off x="4074615" y="1128821"/>
-            <a:ext cx="3861155" cy="1339499"/>
-            <a:chOff x="4072358" y="1496628"/>
-            <a:chExt cx="3861155" cy="1339499"/>
-          </a:xfrm>
-        </p:grpSpPr>
-        <p:grpSp>
-          <p:nvGrpSpPr>
-            <p:cNvPr id="32" name="群組 31">
-              <a:extLst>
-                <a:ext uri="{FF2B5EF4-FFF2-40B4-BE49-F238E27FC236}">
-                  <a16:creationId xmlns:a16="http://schemas.microsoft.com/office/drawing/2014/main" id="{7DFED6C5-D70B-E0BC-E7DA-BE8DE6A40C8D}"/>
-                </a:ext>
-              </a:extLst>
-            </p:cNvPr>
-            <p:cNvGrpSpPr/>
-            <p:nvPr/>
-          </p:nvGrpSpPr>
-          <p:grpSpPr>
-            <a:xfrm>
-              <a:off x="4072358" y="1496628"/>
-              <a:ext cx="3642752" cy="914217"/>
-              <a:chOff x="3880707" y="1624367"/>
-              <a:chExt cx="3642752" cy="914217"/>
-            </a:xfrm>
-          </p:grpSpPr>
-          <p:sp>
-            <p:nvSpPr>
-              <p:cNvPr id="11" name="文字方塊 10">
-                <a:extLst>
-                  <a:ext uri="{FF2B5EF4-FFF2-40B4-BE49-F238E27FC236}">
-                    <a16:creationId xmlns:a16="http://schemas.microsoft.com/office/drawing/2014/main" id="{AFA65BE7-B1D2-7157-1B29-043FB47C2F75}"/>
-                  </a:ext>
-                </a:extLst>
-              </p:cNvPr>
-              <p:cNvSpPr txBox="1"/>
-              <p:nvPr/>
-            </p:nvSpPr>
-            <p:spPr>
-              <a:xfrm>
-                <a:off x="4004294" y="2076919"/>
-                <a:ext cx="3519165" cy="461665"/>
-              </a:xfrm>
-              <a:prstGeom prst="rect">
-                <a:avLst/>
-              </a:prstGeom>
-              <a:noFill/>
-              <a:ln w="19050">
-                <a:solidFill>
-                  <a:schemeClr val="tx1"/>
-                </a:solidFill>
-              </a:ln>
-            </p:spPr>
-            <p:txBody>
-              <a:bodyPr wrap="square" rtlCol="0">
-                <a:spAutoFit/>
-              </a:bodyPr>
-              <a:lstStyle/>
-              <a:p>
-                <a:r>
-                  <a:rPr lang="en-US" altLang="zh-TW" sz="2400" dirty="0" err="1">
-                    <a:latin typeface="Times New Roman" panose="02020603050405020304" pitchFamily="18" charset="0"/>
-                    <a:ea typeface="標楷體" panose="03000509000000000000" pitchFamily="65" charset="-120"/>
-                    <a:cs typeface="Times New Roman" panose="02020603050405020304" pitchFamily="18" charset="0"/>
-                  </a:rPr>
-                  <a:t>origin_img</a:t>
-                </a:r>
-                <a:r>
-                  <a:rPr lang="en-US" altLang="zh-TW" sz="2400" dirty="0">
-                    <a:latin typeface="Times New Roman" panose="02020603050405020304" pitchFamily="18" charset="0"/>
-                    <a:ea typeface="標楷體" panose="03000509000000000000" pitchFamily="65" charset="-120"/>
-                    <a:cs typeface="Times New Roman" panose="02020603050405020304" pitchFamily="18" charset="0"/>
-                  </a:rPr>
-                  <a:t>/Result_001</a:t>
-                </a:r>
-                <a:endParaRPr lang="zh-TW" altLang="en-US" sz="2400" dirty="0">
-                  <a:latin typeface="Times New Roman" panose="02020603050405020304" pitchFamily="18" charset="0"/>
-                  <a:ea typeface="標楷體" panose="03000509000000000000" pitchFamily="65" charset="-120"/>
-                  <a:cs typeface="Times New Roman" panose="02020603050405020304" pitchFamily="18" charset="0"/>
-                </a:endParaRPr>
-              </a:p>
-            </p:txBody>
-          </p:sp>
-          <p:sp>
-            <p:nvSpPr>
-              <p:cNvPr id="17" name="文字方塊 16">
-                <a:extLst>
-                  <a:ext uri="{FF2B5EF4-FFF2-40B4-BE49-F238E27FC236}">
-                    <a16:creationId xmlns:a16="http://schemas.microsoft.com/office/drawing/2014/main" id="{478D98B5-9B09-D34F-497A-F282A0FB1937}"/>
-                  </a:ext>
-                </a:extLst>
-              </p:cNvPr>
-              <p:cNvSpPr txBox="1"/>
-              <p:nvPr/>
-            </p:nvSpPr>
-            <p:spPr>
-              <a:xfrm>
-                <a:off x="3880707" y="1624367"/>
-                <a:ext cx="2354312" cy="400110"/>
-              </a:xfrm>
-              <a:prstGeom prst="rect">
-                <a:avLst/>
-              </a:prstGeom>
-              <a:noFill/>
-              <a:ln w="19050">
-                <a:noFill/>
-              </a:ln>
-            </p:spPr>
-            <p:txBody>
-              <a:bodyPr wrap="square" rtlCol="0">
-                <a:spAutoFit/>
-              </a:bodyPr>
-              <a:lstStyle/>
-              <a:p>
-                <a:r>
-                  <a:rPr lang="zh-TW" altLang="en-US" sz="2000" b="1" dirty="0">
-                    <a:latin typeface="Times New Roman" panose="02020603050405020304" pitchFamily="18" charset="0"/>
-                    <a:ea typeface="標楷體" panose="03000509000000000000" pitchFamily="65" charset="-120"/>
-                    <a:cs typeface="Times New Roman" panose="02020603050405020304" pitchFamily="18" charset="0"/>
-                  </a:rPr>
-                  <a:t>生成照片資料夾</a:t>
-                </a:r>
-              </a:p>
-            </p:txBody>
-          </p:sp>
-        </p:grpSp>
-        <p:pic>
-          <p:nvPicPr>
-            <p:cNvPr id="56" name="圖片 55">
-              <a:extLst>
-                <a:ext uri="{FF2B5EF4-FFF2-40B4-BE49-F238E27FC236}">
-                  <a16:creationId xmlns:a16="http://schemas.microsoft.com/office/drawing/2014/main" id="{08E334D7-60C3-DA39-5DA3-DA03DA54D689}"/>
-                </a:ext>
-              </a:extLst>
-            </p:cNvPr>
-            <p:cNvPicPr>
-              <a:picLocks noChangeAspect="1"/>
-            </p:cNvPicPr>
-            <p:nvPr/>
-          </p:nvPicPr>
-          <p:blipFill>
-            <a:blip r:embed="rId3"/>
-            <a:stretch>
-              <a:fillRect/>
-            </a:stretch>
-          </p:blipFill>
-          <p:spPr>
-            <a:xfrm>
-              <a:off x="5866003" y="2354896"/>
-              <a:ext cx="2067510" cy="481231"/>
-            </a:xfrm>
-            <a:prstGeom prst="rect">
-              <a:avLst/>
-            </a:prstGeom>
-          </p:spPr>
-        </p:pic>
-      </p:grpSp>
-      <p:grpSp>
-        <p:nvGrpSpPr>
-          <p:cNvPr id="74" name="群組 73">
-            <a:extLst>
-              <a:ext uri="{FF2B5EF4-FFF2-40B4-BE49-F238E27FC236}">
-                <a16:creationId xmlns:a16="http://schemas.microsoft.com/office/drawing/2014/main" id="{579E04E2-80F8-D225-43A4-BF9F521AC061}"/>
-              </a:ext>
-            </a:extLst>
-          </p:cNvPr>
-          <p:cNvGrpSpPr/>
-          <p:nvPr/>
-        </p:nvGrpSpPr>
-        <p:grpSpPr>
-          <a:xfrm>
-            <a:off x="8287303" y="3350163"/>
-            <a:ext cx="3248600" cy="3283330"/>
-            <a:chOff x="8287303" y="3350163"/>
-            <a:chExt cx="3248600" cy="3283330"/>
-          </a:xfrm>
-        </p:grpSpPr>
-        <p:sp>
-          <p:nvSpPr>
-            <p:cNvPr id="31" name="文字方塊 30">
-              <a:extLst>
-                <a:ext uri="{FF2B5EF4-FFF2-40B4-BE49-F238E27FC236}">
-                  <a16:creationId xmlns:a16="http://schemas.microsoft.com/office/drawing/2014/main" id="{67127A09-227E-61AE-716F-8105A4298C55}"/>
-                </a:ext>
-              </a:extLst>
-            </p:cNvPr>
-            <p:cNvSpPr txBox="1"/>
-            <p:nvPr/>
-          </p:nvSpPr>
-          <p:spPr>
-            <a:xfrm>
-              <a:off x="8364751" y="3788566"/>
-              <a:ext cx="2837937" cy="830997"/>
-            </a:xfrm>
-            <a:prstGeom prst="rect">
-              <a:avLst/>
-            </a:prstGeom>
-            <a:noFill/>
-            <a:ln w="19050">
-              <a:solidFill>
-                <a:schemeClr val="tx1"/>
-              </a:solidFill>
-            </a:ln>
-          </p:spPr>
-          <p:txBody>
-            <a:bodyPr wrap="square" rtlCol="0">
-              <a:spAutoFit/>
-            </a:bodyPr>
-            <a:lstStyle/>
-            <a:p>
-              <a:r>
-                <a:rPr lang="zh-TW" altLang="en-US" sz="2400" dirty="0">
-                  <a:latin typeface="Times New Roman" panose="02020603050405020304" pitchFamily="18" charset="0"/>
-                  <a:ea typeface="標楷體" panose="03000509000000000000" pitchFamily="65" charset="-120"/>
-                  <a:cs typeface="Times New Roman" panose="02020603050405020304" pitchFamily="18" charset="0"/>
-                </a:rPr>
-                <a:t>寫入所有動作切片</a:t>
-              </a:r>
-              <a:endParaRPr lang="en-US" altLang="zh-TW" sz="2400" dirty="0">
-                <a:latin typeface="Times New Roman" panose="02020603050405020304" pitchFamily="18" charset="0"/>
-                <a:ea typeface="標楷體" panose="03000509000000000000" pitchFamily="65" charset="-120"/>
-                <a:cs typeface="Times New Roman" panose="02020603050405020304" pitchFamily="18" charset="0"/>
-              </a:endParaRPr>
-            </a:p>
-            <a:p>
-              <a:endParaRPr lang="zh-TW" altLang="en-US" sz="2400" dirty="0">
-                <a:latin typeface="Times New Roman" panose="02020603050405020304" pitchFamily="18" charset="0"/>
-                <a:ea typeface="標楷體" panose="03000509000000000000" pitchFamily="65" charset="-120"/>
-                <a:cs typeface="Times New Roman" panose="02020603050405020304" pitchFamily="18" charset="0"/>
-              </a:endParaRPr>
-            </a:p>
-          </p:txBody>
-        </p:sp>
-        <p:sp>
-          <p:nvSpPr>
-            <p:cNvPr id="68" name="文字方塊 67">
-              <a:extLst>
-                <a:ext uri="{FF2B5EF4-FFF2-40B4-BE49-F238E27FC236}">
-                  <a16:creationId xmlns:a16="http://schemas.microsoft.com/office/drawing/2014/main" id="{20269B7A-6BA1-E636-E00A-46B07F0E4130}"/>
-                </a:ext>
-              </a:extLst>
-            </p:cNvPr>
-            <p:cNvSpPr txBox="1"/>
-            <p:nvPr/>
-          </p:nvSpPr>
-          <p:spPr>
-            <a:xfrm>
-              <a:off x="10039487" y="4325169"/>
-              <a:ext cx="1496416" cy="2308324"/>
-            </a:xfrm>
-            <a:prstGeom prst="rect">
-              <a:avLst/>
-            </a:prstGeom>
-            <a:solidFill>
-              <a:schemeClr val="accent4">
-                <a:lumMod val="40000"/>
-                <a:lumOff val="60000"/>
-              </a:schemeClr>
-            </a:solidFill>
-            <a:ln w="19050">
-              <a:noFill/>
-            </a:ln>
-          </p:spPr>
-          <p:txBody>
-            <a:bodyPr wrap="square" rtlCol="0">
-              <a:spAutoFit/>
-            </a:bodyPr>
-            <a:lstStyle/>
-            <a:p>
-              <a:r>
-                <a:rPr lang="en-US" altLang="zh-TW" sz="2400" dirty="0">
-                  <a:latin typeface="Times New Roman" panose="02020603050405020304" pitchFamily="18" charset="0"/>
-                  <a:ea typeface="標楷體" panose="03000509000000000000" pitchFamily="65" charset="-120"/>
-                  <a:cs typeface="Times New Roman" panose="02020603050405020304" pitchFamily="18" charset="0"/>
-                </a:rPr>
-                <a:t>jump_001</a:t>
-              </a:r>
-            </a:p>
-            <a:p>
-              <a:r>
-                <a:rPr lang="en-US" altLang="zh-TW" sz="2400" dirty="0">
-                  <a:latin typeface="Times New Roman" panose="02020603050405020304" pitchFamily="18" charset="0"/>
-                  <a:ea typeface="標楷體" panose="03000509000000000000" pitchFamily="65" charset="-120"/>
-                  <a:cs typeface="Times New Roman" panose="02020603050405020304" pitchFamily="18" charset="0"/>
-                </a:rPr>
-                <a:t>52 59</a:t>
-              </a:r>
-            </a:p>
-            <a:p>
-              <a:r>
-                <a:rPr lang="en-US" altLang="zh-TW" sz="2400" dirty="0">
-                  <a:latin typeface="Times New Roman" panose="02020603050405020304" pitchFamily="18" charset="0"/>
-                  <a:ea typeface="標楷體" panose="03000509000000000000" pitchFamily="65" charset="-120"/>
-                  <a:cs typeface="Times New Roman" panose="02020603050405020304" pitchFamily="18" charset="0"/>
-                </a:rPr>
-                <a:t>72 79</a:t>
-              </a:r>
-            </a:p>
-            <a:p>
-              <a:endParaRPr lang="en-US" altLang="zh-TW" sz="2400" dirty="0">
-                <a:latin typeface="Times New Roman" panose="02020603050405020304" pitchFamily="18" charset="0"/>
-                <a:ea typeface="標楷體" panose="03000509000000000000" pitchFamily="65" charset="-120"/>
-                <a:cs typeface="Times New Roman" panose="02020603050405020304" pitchFamily="18" charset="0"/>
-              </a:endParaRPr>
-            </a:p>
-            <a:p>
-              <a:r>
-                <a:rPr lang="en-US" altLang="zh-TW" sz="2400" dirty="0">
-                  <a:latin typeface="Times New Roman" panose="02020603050405020304" pitchFamily="18" charset="0"/>
-                  <a:ea typeface="標楷體" panose="03000509000000000000" pitchFamily="65" charset="-120"/>
-                  <a:cs typeface="Times New Roman" panose="02020603050405020304" pitchFamily="18" charset="0"/>
-                </a:rPr>
-                <a:t>wave_001</a:t>
-              </a:r>
-            </a:p>
-            <a:p>
-              <a:r>
-                <a:rPr lang="en-US" altLang="zh-TW" sz="2400" dirty="0">
-                  <a:latin typeface="Times New Roman" panose="02020603050405020304" pitchFamily="18" charset="0"/>
-                  <a:ea typeface="標楷體" panose="03000509000000000000" pitchFamily="65" charset="-120"/>
-                  <a:cs typeface="Times New Roman" panose="02020603050405020304" pitchFamily="18" charset="0"/>
-                </a:rPr>
-                <a:t>47 354</a:t>
-              </a:r>
-              <a:endParaRPr lang="zh-TW" altLang="en-US" sz="2400" dirty="0">
-                <a:latin typeface="Times New Roman" panose="02020603050405020304" pitchFamily="18" charset="0"/>
-                <a:ea typeface="標楷體" panose="03000509000000000000" pitchFamily="65" charset="-120"/>
-                <a:cs typeface="Times New Roman" panose="02020603050405020304" pitchFamily="18" charset="0"/>
-              </a:endParaRPr>
-            </a:p>
-          </p:txBody>
-        </p:sp>
-        <p:sp>
-          <p:nvSpPr>
-            <p:cNvPr id="72" name="文字方塊 71">
-              <a:extLst>
-                <a:ext uri="{FF2B5EF4-FFF2-40B4-BE49-F238E27FC236}">
-                  <a16:creationId xmlns:a16="http://schemas.microsoft.com/office/drawing/2014/main" id="{54C5E2FF-13C8-1DC8-D9F3-510390AF9C07}"/>
-                </a:ext>
-              </a:extLst>
-            </p:cNvPr>
-            <p:cNvSpPr txBox="1"/>
-            <p:nvPr/>
-          </p:nvSpPr>
-          <p:spPr>
-            <a:xfrm>
-              <a:off x="8287303" y="3350163"/>
-              <a:ext cx="1496416" cy="400110"/>
-            </a:xfrm>
-            <a:prstGeom prst="rect">
-              <a:avLst/>
-            </a:prstGeom>
-            <a:noFill/>
-            <a:ln w="19050">
-              <a:noFill/>
-            </a:ln>
-          </p:spPr>
-          <p:txBody>
-            <a:bodyPr wrap="square" rtlCol="0">
-              <a:spAutoFit/>
-            </a:bodyPr>
-            <a:lstStyle/>
-            <a:p>
-              <a:r>
-                <a:rPr lang="en-US" altLang="zh-TW" sz="2000" b="1" dirty="0">
-                  <a:latin typeface="Times New Roman" panose="02020603050405020304" pitchFamily="18" charset="0"/>
-                  <a:ea typeface="標楷體" panose="03000509000000000000" pitchFamily="65" charset="-120"/>
-                  <a:cs typeface="Times New Roman" panose="02020603050405020304" pitchFamily="18" charset="0"/>
-                </a:rPr>
-                <a:t>orign.txt</a:t>
-              </a:r>
-              <a:endParaRPr lang="zh-TW" altLang="en-US" sz="2000" b="1" dirty="0">
-                <a:latin typeface="Times New Roman" panose="02020603050405020304" pitchFamily="18" charset="0"/>
-                <a:ea typeface="標楷體" panose="03000509000000000000" pitchFamily="65" charset="-120"/>
-                <a:cs typeface="Times New Roman" panose="02020603050405020304" pitchFamily="18" charset="0"/>
-              </a:endParaRPr>
-            </a:p>
-          </p:txBody>
-        </p:sp>
-      </p:grpSp>
-      <p:grpSp>
-        <p:nvGrpSpPr>
-          <p:cNvPr id="82" name="群組 81">
-            <a:extLst>
-              <a:ext uri="{FF2B5EF4-FFF2-40B4-BE49-F238E27FC236}">
-                <a16:creationId xmlns:a16="http://schemas.microsoft.com/office/drawing/2014/main" id="{2DCC5D35-DC87-5065-0DBF-D71D99F78BB1}"/>
-              </a:ext>
-            </a:extLst>
-          </p:cNvPr>
-          <p:cNvGrpSpPr/>
-          <p:nvPr/>
-        </p:nvGrpSpPr>
-        <p:grpSpPr>
-          <a:xfrm>
-            <a:off x="1243391" y="809592"/>
-            <a:ext cx="2745779" cy="3055143"/>
-            <a:chOff x="1243391" y="809592"/>
-            <a:chExt cx="2745779" cy="3055143"/>
-          </a:xfrm>
-        </p:grpSpPr>
-        <p:grpSp>
-          <p:nvGrpSpPr>
-            <p:cNvPr id="66" name="群組 65">
-              <a:extLst>
-                <a:ext uri="{FF2B5EF4-FFF2-40B4-BE49-F238E27FC236}">
-                  <a16:creationId xmlns:a16="http://schemas.microsoft.com/office/drawing/2014/main" id="{0171B98F-E7BE-8CB5-754A-25776FC17653}"/>
-                </a:ext>
-              </a:extLst>
-            </p:cNvPr>
-            <p:cNvGrpSpPr/>
-            <p:nvPr/>
-          </p:nvGrpSpPr>
-          <p:grpSpPr>
-            <a:xfrm>
-              <a:off x="1243391" y="1212041"/>
-              <a:ext cx="2745779" cy="2652694"/>
-              <a:chOff x="1162790" y="1701944"/>
-              <a:chExt cx="2745779" cy="2652694"/>
-            </a:xfrm>
-          </p:grpSpPr>
-          <p:sp>
-            <p:nvSpPr>
-              <p:cNvPr id="4" name="文字方塊 3">
-                <a:extLst>
-                  <a:ext uri="{FF2B5EF4-FFF2-40B4-BE49-F238E27FC236}">
-                    <a16:creationId xmlns:a16="http://schemas.microsoft.com/office/drawing/2014/main" id="{3856D082-7EFD-B277-F215-19B73E521F5B}"/>
-                  </a:ext>
-                </a:extLst>
-              </p:cNvPr>
-              <p:cNvSpPr txBox="1"/>
-              <p:nvPr/>
-            </p:nvSpPr>
-            <p:spPr>
-              <a:xfrm>
-                <a:off x="1416870" y="1701944"/>
-                <a:ext cx="2362653" cy="1200329"/>
-              </a:xfrm>
-              <a:prstGeom prst="rect">
-                <a:avLst/>
-              </a:prstGeom>
-              <a:noFill/>
-              <a:ln w="19050">
-                <a:solidFill>
-                  <a:schemeClr val="tx1"/>
-                </a:solidFill>
-              </a:ln>
-            </p:spPr>
-            <p:txBody>
-              <a:bodyPr wrap="square" rtlCol="0">
-                <a:spAutoFit/>
-              </a:bodyPr>
-              <a:lstStyle/>
-              <a:p>
-                <a:endParaRPr lang="en-US" altLang="zh-TW" sz="2400" dirty="0">
-                  <a:latin typeface="Times New Roman" panose="02020603050405020304" pitchFamily="18" charset="0"/>
-                  <a:ea typeface="標楷體" panose="03000509000000000000" pitchFamily="65" charset="-120"/>
-                  <a:cs typeface="Times New Roman" panose="02020603050405020304" pitchFamily="18" charset="0"/>
-                </a:endParaRPr>
-              </a:p>
-              <a:p>
-                <a:r>
-                  <a:rPr lang="zh-TW" altLang="en-US" sz="2400" dirty="0">
-                    <a:latin typeface="Times New Roman" panose="02020603050405020304" pitchFamily="18" charset="0"/>
-                    <a:ea typeface="標楷體" panose="03000509000000000000" pitchFamily="65" charset="-120"/>
-                    <a:cs typeface="Times New Roman" panose="02020603050405020304" pitchFamily="18" charset="0"/>
-                  </a:rPr>
-                  <a:t>影片轉照片</a:t>
-                </a:r>
-                <a:endParaRPr lang="en-US" altLang="zh-TW" sz="2400" dirty="0">
-                  <a:latin typeface="Times New Roman" panose="02020603050405020304" pitchFamily="18" charset="0"/>
-                  <a:ea typeface="標楷體" panose="03000509000000000000" pitchFamily="65" charset="-120"/>
-                  <a:cs typeface="Times New Roman" panose="02020603050405020304" pitchFamily="18" charset="0"/>
-                </a:endParaRPr>
-              </a:p>
-              <a:p>
-                <a:endParaRPr lang="zh-TW" altLang="en-US" sz="2400" dirty="0">
-                  <a:latin typeface="Times New Roman" panose="02020603050405020304" pitchFamily="18" charset="0"/>
-                  <a:ea typeface="標楷體" panose="03000509000000000000" pitchFamily="65" charset="-120"/>
-                  <a:cs typeface="Times New Roman" panose="02020603050405020304" pitchFamily="18" charset="0"/>
-                </a:endParaRPr>
-              </a:p>
-            </p:txBody>
-          </p:sp>
-          <p:pic>
-            <p:nvPicPr>
-              <p:cNvPr id="61" name="圖片 60">
-                <a:extLst>
-                  <a:ext uri="{FF2B5EF4-FFF2-40B4-BE49-F238E27FC236}">
-                    <a16:creationId xmlns:a16="http://schemas.microsoft.com/office/drawing/2014/main" id="{1D96E8C1-B451-2DDC-9DA1-8C02B5F9DF79}"/>
-                  </a:ext>
-                </a:extLst>
-              </p:cNvPr>
-              <p:cNvPicPr>
-                <a:picLocks noChangeAspect="1"/>
-              </p:cNvPicPr>
-              <p:nvPr/>
-            </p:nvPicPr>
-            <p:blipFill rotWithShape="1">
-              <a:blip r:embed="rId4"/>
-              <a:srcRect r="9804"/>
-              <a:stretch/>
-            </p:blipFill>
-            <p:spPr>
-              <a:xfrm>
-                <a:off x="1162790" y="3293235"/>
-                <a:ext cx="2745779" cy="1061403"/>
-              </a:xfrm>
-              <a:prstGeom prst="rect">
-                <a:avLst/>
-              </a:prstGeom>
-            </p:spPr>
-          </p:pic>
-        </p:grpSp>
-        <p:sp>
-          <p:nvSpPr>
-            <p:cNvPr id="75" name="文字方塊 74">
-              <a:extLst>
-                <a:ext uri="{FF2B5EF4-FFF2-40B4-BE49-F238E27FC236}">
-                  <a16:creationId xmlns:a16="http://schemas.microsoft.com/office/drawing/2014/main" id="{5C254B1F-8F56-53CB-070F-F09CC1A73612}"/>
-                </a:ext>
-              </a:extLst>
-            </p:cNvPr>
-            <p:cNvSpPr txBox="1"/>
-            <p:nvPr/>
-          </p:nvSpPr>
-          <p:spPr>
-            <a:xfrm>
-              <a:off x="1420254" y="809592"/>
-              <a:ext cx="2439870" cy="400110"/>
-            </a:xfrm>
-            <a:prstGeom prst="rect">
-              <a:avLst/>
-            </a:prstGeom>
-            <a:noFill/>
-            <a:ln w="19050">
-              <a:noFill/>
-            </a:ln>
-          </p:spPr>
-          <p:txBody>
-            <a:bodyPr wrap="square" rtlCol="0">
-              <a:spAutoFit/>
-            </a:bodyPr>
-            <a:lstStyle/>
-            <a:p>
-              <a:r>
-                <a:rPr lang="en-US" altLang="zh-TW" sz="2000" b="1" dirty="0">
-                  <a:latin typeface="Times New Roman" panose="02020603050405020304" pitchFamily="18" charset="0"/>
-                  <a:ea typeface="標楷體" panose="03000509000000000000" pitchFamily="65" charset="-120"/>
-                  <a:cs typeface="Times New Roman" panose="02020603050405020304" pitchFamily="18" charset="0"/>
-                </a:rPr>
-                <a:t>Video_to_jpg.py</a:t>
-              </a:r>
-            </a:p>
-          </p:txBody>
-        </p:sp>
-      </p:grpSp>
-      <p:sp>
-        <p:nvSpPr>
-          <p:cNvPr id="76" name="文字方塊 75">
-            <a:extLst>
-              <a:ext uri="{FF2B5EF4-FFF2-40B4-BE49-F238E27FC236}">
-                <a16:creationId xmlns:a16="http://schemas.microsoft.com/office/drawing/2014/main" id="{B5E1A932-0125-39CF-57A1-2B9A9A157639}"/>
-              </a:ext>
-            </a:extLst>
-          </p:cNvPr>
-          <p:cNvSpPr txBox="1"/>
-          <p:nvPr/>
-        </p:nvSpPr>
-        <p:spPr>
-          <a:xfrm>
-            <a:off x="998007" y="2344244"/>
-            <a:ext cx="3295831" cy="461665"/>
-          </a:xfrm>
-          <a:prstGeom prst="rect">
-            <a:avLst/>
-          </a:prstGeom>
-          <a:solidFill>
-            <a:schemeClr val="accent4">
-              <a:lumMod val="40000"/>
-              <a:lumOff val="60000"/>
-            </a:schemeClr>
-          </a:solidFill>
-          <a:ln w="19050">
-            <a:noFill/>
-          </a:ln>
-        </p:spPr>
-        <p:txBody>
-          <a:bodyPr wrap="square" rtlCol="0">
-            <a:spAutoFit/>
-          </a:bodyPr>
-          <a:lstStyle/>
-          <a:p>
-            <a:r>
-              <a:rPr lang="zh-TW" altLang="en-US" sz="2400" dirty="0">
-                <a:latin typeface="Times New Roman" panose="02020603050405020304" pitchFamily="18" charset="0"/>
-                <a:ea typeface="標楷體" panose="03000509000000000000" pitchFamily="65" charset="-120"/>
-                <a:cs typeface="Times New Roman" panose="02020603050405020304" pitchFamily="18" charset="0"/>
-              </a:rPr>
-              <a:t>儲存間隔秒數預設一秒</a:t>
-            </a:r>
-          </a:p>
-        </p:txBody>
-      </p:sp>
-    </p:spTree>
-    <p:extLst>
-      <p:ext uri="{BB962C8B-B14F-4D97-AF65-F5344CB8AC3E}">
-        <p14:creationId xmlns:p14="http://schemas.microsoft.com/office/powerpoint/2010/main" val="3277111185"/>
       </p:ext>
     </p:extLst>
   </p:cSld>
